--- a/演示文稿1.pptx
+++ b/演示文稿1.pptx
@@ -8,6 +8,7 @@
     <p:sldId id="256" r:id="rId2"/>
     <p:sldId id="257" r:id="rId3"/>
     <p:sldId id="258" r:id="rId4"/>
+    <p:sldId id="259" r:id="rId5"/>
   </p:sldIdLst>
   <p:sldSz cx="12192000" cy="6858000"/>
   <p:notesSz cx="6858000" cy="9144000"/>
@@ -106,6 +107,22 @@
       </a:defRPr>
     </a:lvl9pPr>
   </p:defaultTextStyle>
+  <p:extLst>
+    <p:ext uri="{EFAFB233-063F-42B5-8137-9DF3F51BA10A}">
+      <p15:sldGuideLst xmlns:p15="http://schemas.microsoft.com/office/powerpoint/2012/main">
+        <p15:guide id="1" orient="horz" pos="2160" userDrawn="1">
+          <p15:clr>
+            <a:srgbClr val="A4A3A4"/>
+          </p15:clr>
+        </p15:guide>
+        <p15:guide id="2" pos="3840" userDrawn="1">
+          <p15:clr>
+            <a:srgbClr val="A4A3A4"/>
+          </p15:clr>
+        </p15:guide>
+      </p15:sldGuideLst>
+    </p:ext>
+  </p:extLst>
 </p:presentation>
 </file>
 
@@ -256,7 +273,7 @@
           <a:p>
             <a:fld id="{11D82F5B-1BA6-42B6-A84E-5D5255035F49}" type="datetimeFigureOut">
               <a:rPr lang="zh-CN" altLang="en-US" smtClean="0"/>
-              <a:t>2019/7/20</a:t>
+              <a:t>2019/7/23</a:t>
             </a:fld>
             <a:endParaRPr lang="zh-CN" altLang="en-US"/>
           </a:p>
@@ -454,7 +471,7 @@
           <a:p>
             <a:fld id="{11D82F5B-1BA6-42B6-A84E-5D5255035F49}" type="datetimeFigureOut">
               <a:rPr lang="zh-CN" altLang="en-US" smtClean="0"/>
-              <a:t>2019/7/20</a:t>
+              <a:t>2019/7/23</a:t>
             </a:fld>
             <a:endParaRPr lang="zh-CN" altLang="en-US"/>
           </a:p>
@@ -662,7 +679,7 @@
           <a:p>
             <a:fld id="{11D82F5B-1BA6-42B6-A84E-5D5255035F49}" type="datetimeFigureOut">
               <a:rPr lang="zh-CN" altLang="en-US" smtClean="0"/>
-              <a:t>2019/7/20</a:t>
+              <a:t>2019/7/23</a:t>
             </a:fld>
             <a:endParaRPr lang="zh-CN" altLang="en-US"/>
           </a:p>
@@ -860,7 +877,7 @@
           <a:p>
             <a:fld id="{11D82F5B-1BA6-42B6-A84E-5D5255035F49}" type="datetimeFigureOut">
               <a:rPr lang="zh-CN" altLang="en-US" smtClean="0"/>
-              <a:t>2019/7/20</a:t>
+              <a:t>2019/7/23</a:t>
             </a:fld>
             <a:endParaRPr lang="zh-CN" altLang="en-US"/>
           </a:p>
@@ -1135,7 +1152,7 @@
           <a:p>
             <a:fld id="{11D82F5B-1BA6-42B6-A84E-5D5255035F49}" type="datetimeFigureOut">
               <a:rPr lang="zh-CN" altLang="en-US" smtClean="0"/>
-              <a:t>2019/7/20</a:t>
+              <a:t>2019/7/23</a:t>
             </a:fld>
             <a:endParaRPr lang="zh-CN" altLang="en-US"/>
           </a:p>
@@ -1400,7 +1417,7 @@
           <a:p>
             <a:fld id="{11D82F5B-1BA6-42B6-A84E-5D5255035F49}" type="datetimeFigureOut">
               <a:rPr lang="zh-CN" altLang="en-US" smtClean="0"/>
-              <a:t>2019/7/20</a:t>
+              <a:t>2019/7/23</a:t>
             </a:fld>
             <a:endParaRPr lang="zh-CN" altLang="en-US"/>
           </a:p>
@@ -1812,7 +1829,7 @@
           <a:p>
             <a:fld id="{11D82F5B-1BA6-42B6-A84E-5D5255035F49}" type="datetimeFigureOut">
               <a:rPr lang="zh-CN" altLang="en-US" smtClean="0"/>
-              <a:t>2019/7/20</a:t>
+              <a:t>2019/7/23</a:t>
             </a:fld>
             <a:endParaRPr lang="zh-CN" altLang="en-US"/>
           </a:p>
@@ -1953,7 +1970,7 @@
           <a:p>
             <a:fld id="{11D82F5B-1BA6-42B6-A84E-5D5255035F49}" type="datetimeFigureOut">
               <a:rPr lang="zh-CN" altLang="en-US" smtClean="0"/>
-              <a:t>2019/7/20</a:t>
+              <a:t>2019/7/23</a:t>
             </a:fld>
             <a:endParaRPr lang="zh-CN" altLang="en-US"/>
           </a:p>
@@ -2066,7 +2083,7 @@
           <a:p>
             <a:fld id="{11D82F5B-1BA6-42B6-A84E-5D5255035F49}" type="datetimeFigureOut">
               <a:rPr lang="zh-CN" altLang="en-US" smtClean="0"/>
-              <a:t>2019/7/20</a:t>
+              <a:t>2019/7/23</a:t>
             </a:fld>
             <a:endParaRPr lang="zh-CN" altLang="en-US"/>
           </a:p>
@@ -2377,7 +2394,7 @@
           <a:p>
             <a:fld id="{11D82F5B-1BA6-42B6-A84E-5D5255035F49}" type="datetimeFigureOut">
               <a:rPr lang="zh-CN" altLang="en-US" smtClean="0"/>
-              <a:t>2019/7/20</a:t>
+              <a:t>2019/7/23</a:t>
             </a:fld>
             <a:endParaRPr lang="zh-CN" altLang="en-US"/>
           </a:p>
@@ -2665,7 +2682,7 @@
           <a:p>
             <a:fld id="{11D82F5B-1BA6-42B6-A84E-5D5255035F49}" type="datetimeFigureOut">
               <a:rPr lang="zh-CN" altLang="en-US" smtClean="0"/>
-              <a:t>2019/7/20</a:t>
+              <a:t>2019/7/23</a:t>
             </a:fld>
             <a:endParaRPr lang="zh-CN" altLang="en-US"/>
           </a:p>
@@ -2912,7 +2929,7 @@
           <a:p>
             <a:fld id="{11D82F5B-1BA6-42B6-A84E-5D5255035F49}" type="datetimeFigureOut">
               <a:rPr lang="zh-CN" altLang="en-US" smtClean="0"/>
-              <a:t>2019/7/20</a:t>
+              <a:t>2019/7/23</a:t>
             </a:fld>
             <a:endParaRPr lang="zh-CN" altLang="en-US"/>
           </a:p>
@@ -6718,6 +6735,1375 @@
 </p:sld>
 </file>
 
+<file path=ppt/slides/slide4.xml><?xml version="1.0" encoding="utf-8"?>
+<p:sld xmlns:a="http://schemas.openxmlformats.org/drawingml/2006/main" xmlns:r="http://schemas.openxmlformats.org/officeDocument/2006/relationships" xmlns:p="http://schemas.openxmlformats.org/presentationml/2006/main">
+  <p:cSld>
+    <p:spTree>
+      <p:nvGrpSpPr>
+        <p:cNvPr id="1" name=""/>
+        <p:cNvGrpSpPr/>
+        <p:nvPr/>
+      </p:nvGrpSpPr>
+      <p:grpSpPr>
+        <a:xfrm>
+          <a:off x="0" y="0"/>
+          <a:ext cx="0" cy="0"/>
+          <a:chOff x="0" y="0"/>
+          <a:chExt cx="0" cy="0"/>
+        </a:xfrm>
+      </p:grpSpPr>
+      <p:sp>
+        <p:nvSpPr>
+          <p:cNvPr id="10" name="矩形 9">
+            <a:extLst>
+              <a:ext uri="{FF2B5EF4-FFF2-40B4-BE49-F238E27FC236}">
+                <a16:creationId xmlns:a16="http://schemas.microsoft.com/office/drawing/2014/main" id="{FD41D752-E0F2-40A6-B102-CCD6BACE600E}"/>
+              </a:ext>
+            </a:extLst>
+          </p:cNvPr>
+          <p:cNvSpPr/>
+          <p:nvPr/>
+        </p:nvSpPr>
+        <p:spPr>
+          <a:xfrm>
+            <a:off x="886408" y="111967"/>
+            <a:ext cx="12874886" cy="6615404"/>
+          </a:xfrm>
+          <a:prstGeom prst="rect">
+            <a:avLst/>
+          </a:prstGeom>
+        </p:spPr>
+        <p:style>
+          <a:lnRef idx="2">
+            <a:schemeClr val="dk1">
+              <a:shade val="50000"/>
+            </a:schemeClr>
+          </a:lnRef>
+          <a:fillRef idx="1">
+            <a:schemeClr val="dk1"/>
+          </a:fillRef>
+          <a:effectRef idx="0">
+            <a:schemeClr val="dk1"/>
+          </a:effectRef>
+          <a:fontRef idx="minor">
+            <a:schemeClr val="lt1"/>
+          </a:fontRef>
+        </p:style>
+        <p:txBody>
+          <a:bodyPr rtlCol="0" anchor="ctr"/>
+          <a:lstStyle/>
+          <a:p>
+            <a:pPr algn="ctr"/>
+            <a:endParaRPr lang="zh-CN" altLang="en-US"/>
+          </a:p>
+        </p:txBody>
+      </p:sp>
+      <p:grpSp>
+        <p:nvGrpSpPr>
+          <p:cNvPr id="8" name="组合 7">
+            <a:extLst>
+              <a:ext uri="{FF2B5EF4-FFF2-40B4-BE49-F238E27FC236}">
+                <a16:creationId xmlns:a16="http://schemas.microsoft.com/office/drawing/2014/main" id="{7CE921C4-1F3E-4466-9E7E-385608C21E03}"/>
+              </a:ext>
+            </a:extLst>
+          </p:cNvPr>
+          <p:cNvGrpSpPr>
+            <a:grpSpLocks noChangeAspect="1"/>
+          </p:cNvGrpSpPr>
+          <p:nvPr/>
+        </p:nvGrpSpPr>
+        <p:grpSpPr>
+          <a:xfrm>
+            <a:off x="2498453" y="421351"/>
+            <a:ext cx="181510" cy="304800"/>
+            <a:chOff x="3729787" y="1419726"/>
+            <a:chExt cx="1540800" cy="2307853"/>
+          </a:xfrm>
+        </p:grpSpPr>
+        <p:sp>
+          <p:nvSpPr>
+            <p:cNvPr id="6" name="任意多边形: 形状 5">
+              <a:extLst>
+                <a:ext uri="{FF2B5EF4-FFF2-40B4-BE49-F238E27FC236}">
+                  <a16:creationId xmlns:a16="http://schemas.microsoft.com/office/drawing/2014/main" id="{F9FADF35-78EF-4354-9801-5F0AB761627E}"/>
+                </a:ext>
+              </a:extLst>
+            </p:cNvPr>
+            <p:cNvSpPr/>
+            <p:nvPr/>
+          </p:nvSpPr>
+          <p:spPr>
+            <a:xfrm>
+              <a:off x="3729787" y="1419726"/>
+              <a:ext cx="1540800" cy="2009274"/>
+            </a:xfrm>
+            <a:custGeom>
+              <a:avLst/>
+              <a:gdLst>
+                <a:gd name="connsiteX0" fmla="*/ 3 w 1540800"/>
+                <a:gd name="connsiteY0" fmla="*/ 2009273 h 2009274"/>
+                <a:gd name="connsiteX1" fmla="*/ 2 w 1540800"/>
+                <a:gd name="connsiteY1" fmla="*/ 2009274 h 2009274"/>
+                <a:gd name="connsiteX2" fmla="*/ 0 w 1540800"/>
+                <a:gd name="connsiteY2" fmla="*/ 2009274 h 2009274"/>
+                <a:gd name="connsiteX3" fmla="*/ 1539866 w 1540800"/>
+                <a:gd name="connsiteY3" fmla="*/ 2008807 h 2009274"/>
+                <a:gd name="connsiteX4" fmla="*/ 1540800 w 1540800"/>
+                <a:gd name="connsiteY4" fmla="*/ 2009274 h 2009274"/>
+                <a:gd name="connsiteX5" fmla="*/ 1540045 w 1540800"/>
+                <a:gd name="connsiteY5" fmla="*/ 2009274 h 2009274"/>
+                <a:gd name="connsiteX6" fmla="*/ 770024 w 1540800"/>
+                <a:gd name="connsiteY6" fmla="*/ 0 h 2009274"/>
+                <a:gd name="connsiteX7" fmla="*/ 1539866 w 1540800"/>
+                <a:gd name="connsiteY7" fmla="*/ 2008807 h 2009274"/>
+                <a:gd name="connsiteX8" fmla="*/ 770400 w 1540800"/>
+                <a:gd name="connsiteY8" fmla="*/ 1624262 h 2009274"/>
+                <a:gd name="connsiteX9" fmla="*/ 3 w 1540800"/>
+                <a:gd name="connsiteY9" fmla="*/ 2009273 h 2009274"/>
+              </a:gdLst>
+              <a:ahLst/>
+              <a:cxnLst>
+                <a:cxn ang="0">
+                  <a:pos x="connsiteX0" y="connsiteY0"/>
+                </a:cxn>
+                <a:cxn ang="0">
+                  <a:pos x="connsiteX1" y="connsiteY1"/>
+                </a:cxn>
+                <a:cxn ang="0">
+                  <a:pos x="connsiteX2" y="connsiteY2"/>
+                </a:cxn>
+                <a:cxn ang="0">
+                  <a:pos x="connsiteX3" y="connsiteY3"/>
+                </a:cxn>
+                <a:cxn ang="0">
+                  <a:pos x="connsiteX4" y="connsiteY4"/>
+                </a:cxn>
+                <a:cxn ang="0">
+                  <a:pos x="connsiteX5" y="connsiteY5"/>
+                </a:cxn>
+                <a:cxn ang="0">
+                  <a:pos x="connsiteX6" y="connsiteY6"/>
+                </a:cxn>
+                <a:cxn ang="0">
+                  <a:pos x="connsiteX7" y="connsiteY7"/>
+                </a:cxn>
+                <a:cxn ang="0">
+                  <a:pos x="connsiteX8" y="connsiteY8"/>
+                </a:cxn>
+                <a:cxn ang="0">
+                  <a:pos x="connsiteX9" y="connsiteY9"/>
+                </a:cxn>
+              </a:cxnLst>
+              <a:rect l="l" t="t" r="r" b="b"/>
+              <a:pathLst>
+                <a:path w="1540800" h="2009274">
+                  <a:moveTo>
+                    <a:pt x="3" y="2009273"/>
+                  </a:moveTo>
+                  <a:lnTo>
+                    <a:pt x="2" y="2009274"/>
+                  </a:lnTo>
+                  <a:lnTo>
+                    <a:pt x="0" y="2009274"/>
+                  </a:lnTo>
+                  <a:close/>
+                  <a:moveTo>
+                    <a:pt x="1539866" y="2008807"/>
+                  </a:moveTo>
+                  <a:lnTo>
+                    <a:pt x="1540800" y="2009274"/>
+                  </a:lnTo>
+                  <a:lnTo>
+                    <a:pt x="1540045" y="2009274"/>
+                  </a:lnTo>
+                  <a:close/>
+                  <a:moveTo>
+                    <a:pt x="770024" y="0"/>
+                  </a:moveTo>
+                  <a:lnTo>
+                    <a:pt x="1539866" y="2008807"/>
+                  </a:lnTo>
+                  <a:lnTo>
+                    <a:pt x="770400" y="1624262"/>
+                  </a:lnTo>
+                  <a:lnTo>
+                    <a:pt x="3" y="2009273"/>
+                  </a:lnTo>
+                  <a:close/>
+                </a:path>
+              </a:pathLst>
+            </a:custGeom>
+            <a:gradFill flip="none" rotWithShape="1">
+              <a:gsLst>
+                <a:gs pos="55000">
+                  <a:srgbClr val="FFF7D1"/>
+                </a:gs>
+                <a:gs pos="0">
+                  <a:srgbClr val="FFF7D1"/>
+                </a:gs>
+                <a:gs pos="26000">
+                  <a:srgbClr val="FFF7D1"/>
+                </a:gs>
+                <a:gs pos="47000">
+                  <a:srgbClr val="FFF3B5"/>
+                </a:gs>
+                <a:gs pos="100000">
+                  <a:srgbClr val="FFF7D1"/>
+                </a:gs>
+              </a:gsLst>
+              <a:lin ang="0" scaled="1"/>
+              <a:tileRect/>
+            </a:gradFill>
+            <a:ln>
+              <a:noFill/>
+            </a:ln>
+          </p:spPr>
+          <p:style>
+            <a:lnRef idx="2">
+              <a:schemeClr val="accent1">
+                <a:shade val="50000"/>
+              </a:schemeClr>
+            </a:lnRef>
+            <a:fillRef idx="1">
+              <a:schemeClr val="accent1"/>
+            </a:fillRef>
+            <a:effectRef idx="0">
+              <a:schemeClr val="accent1"/>
+            </a:effectRef>
+            <a:fontRef idx="minor">
+              <a:schemeClr val="lt1"/>
+            </a:fontRef>
+          </p:style>
+          <p:txBody>
+            <a:bodyPr rtlCol="0" anchor="ctr"/>
+            <a:lstStyle/>
+            <a:p>
+              <a:pPr algn="ctr"/>
+              <a:endParaRPr lang="zh-CN" altLang="en-US"/>
+            </a:p>
+          </p:txBody>
+        </p:sp>
+        <p:sp>
+          <p:nvSpPr>
+            <p:cNvPr id="7" name="椭圆 6">
+              <a:extLst>
+                <a:ext uri="{FF2B5EF4-FFF2-40B4-BE49-F238E27FC236}">
+                  <a16:creationId xmlns:a16="http://schemas.microsoft.com/office/drawing/2014/main" id="{BD28A9B4-7102-4A25-AE83-BC5EE10D78E5}"/>
+                </a:ext>
+              </a:extLst>
+            </p:cNvPr>
+            <p:cNvSpPr/>
+            <p:nvPr/>
+          </p:nvSpPr>
+          <p:spPr>
+            <a:xfrm>
+              <a:off x="4350897" y="3429000"/>
+              <a:ext cx="298579" cy="298579"/>
+            </a:xfrm>
+            <a:prstGeom prst="ellipse">
+              <a:avLst/>
+            </a:prstGeom>
+            <a:solidFill>
+              <a:srgbClr val="FFEA81"/>
+            </a:solidFill>
+            <a:ln>
+              <a:noFill/>
+            </a:ln>
+          </p:spPr>
+          <p:style>
+            <a:lnRef idx="2">
+              <a:schemeClr val="accent1">
+                <a:shade val="50000"/>
+              </a:schemeClr>
+            </a:lnRef>
+            <a:fillRef idx="1">
+              <a:schemeClr val="accent1"/>
+            </a:fillRef>
+            <a:effectRef idx="0">
+              <a:schemeClr val="accent1"/>
+            </a:effectRef>
+            <a:fontRef idx="minor">
+              <a:schemeClr val="lt1"/>
+            </a:fontRef>
+          </p:style>
+          <p:txBody>
+            <a:bodyPr rtlCol="0" anchor="ctr"/>
+            <a:lstStyle/>
+            <a:p>
+              <a:pPr algn="ctr"/>
+              <a:endParaRPr lang="zh-CN" altLang="en-US"/>
+            </a:p>
+          </p:txBody>
+        </p:sp>
+      </p:grpSp>
+      <p:sp>
+        <p:nvSpPr>
+          <p:cNvPr id="9" name="矩形 8">
+            <a:extLst>
+              <a:ext uri="{FF2B5EF4-FFF2-40B4-BE49-F238E27FC236}">
+                <a16:creationId xmlns:a16="http://schemas.microsoft.com/office/drawing/2014/main" id="{4EC88B72-B317-4779-B5BF-ECB8275B8E4D}"/>
+              </a:ext>
+            </a:extLst>
+          </p:cNvPr>
+          <p:cNvSpPr/>
+          <p:nvPr/>
+        </p:nvSpPr>
+        <p:spPr>
+          <a:xfrm>
+            <a:off x="1810139" y="573751"/>
+            <a:ext cx="475861" cy="762000"/>
+          </a:xfrm>
+          <a:prstGeom prst="rect">
+            <a:avLst/>
+          </a:prstGeom>
+        </p:spPr>
+        <p:style>
+          <a:lnRef idx="2">
+            <a:schemeClr val="accent1">
+              <a:shade val="50000"/>
+            </a:schemeClr>
+          </a:lnRef>
+          <a:fillRef idx="1">
+            <a:schemeClr val="accent1"/>
+          </a:fillRef>
+          <a:effectRef idx="0">
+            <a:schemeClr val="accent1"/>
+          </a:effectRef>
+          <a:fontRef idx="minor">
+            <a:schemeClr val="lt1"/>
+          </a:fontRef>
+        </p:style>
+        <p:txBody>
+          <a:bodyPr rtlCol="0" anchor="ctr"/>
+          <a:lstStyle/>
+          <a:p>
+            <a:pPr algn="ctr"/>
+            <a:endParaRPr lang="zh-CN" altLang="en-US"/>
+          </a:p>
+        </p:txBody>
+      </p:sp>
+      <p:sp>
+        <p:nvSpPr>
+          <p:cNvPr id="11" name="任意多边形: 形状 10">
+            <a:extLst>
+              <a:ext uri="{FF2B5EF4-FFF2-40B4-BE49-F238E27FC236}">
+                <a16:creationId xmlns:a16="http://schemas.microsoft.com/office/drawing/2014/main" id="{45D0F99A-C5E6-419F-A36F-D0671E71A956}"/>
+              </a:ext>
+            </a:extLst>
+          </p:cNvPr>
+          <p:cNvSpPr/>
+          <p:nvPr/>
+        </p:nvSpPr>
+        <p:spPr>
+          <a:xfrm>
+            <a:off x="2648225" y="694951"/>
+            <a:ext cx="181510" cy="265366"/>
+          </a:xfrm>
+          <a:custGeom>
+            <a:avLst/>
+            <a:gdLst>
+              <a:gd name="connsiteX0" fmla="*/ 3 w 1540800"/>
+              <a:gd name="connsiteY0" fmla="*/ 2009273 h 2009274"/>
+              <a:gd name="connsiteX1" fmla="*/ 2 w 1540800"/>
+              <a:gd name="connsiteY1" fmla="*/ 2009274 h 2009274"/>
+              <a:gd name="connsiteX2" fmla="*/ 0 w 1540800"/>
+              <a:gd name="connsiteY2" fmla="*/ 2009274 h 2009274"/>
+              <a:gd name="connsiteX3" fmla="*/ 1539866 w 1540800"/>
+              <a:gd name="connsiteY3" fmla="*/ 2008807 h 2009274"/>
+              <a:gd name="connsiteX4" fmla="*/ 1540800 w 1540800"/>
+              <a:gd name="connsiteY4" fmla="*/ 2009274 h 2009274"/>
+              <a:gd name="connsiteX5" fmla="*/ 1540045 w 1540800"/>
+              <a:gd name="connsiteY5" fmla="*/ 2009274 h 2009274"/>
+              <a:gd name="connsiteX6" fmla="*/ 770024 w 1540800"/>
+              <a:gd name="connsiteY6" fmla="*/ 0 h 2009274"/>
+              <a:gd name="connsiteX7" fmla="*/ 1539866 w 1540800"/>
+              <a:gd name="connsiteY7" fmla="*/ 2008807 h 2009274"/>
+              <a:gd name="connsiteX8" fmla="*/ 770400 w 1540800"/>
+              <a:gd name="connsiteY8" fmla="*/ 1624262 h 2009274"/>
+              <a:gd name="connsiteX9" fmla="*/ 3 w 1540800"/>
+              <a:gd name="connsiteY9" fmla="*/ 2009273 h 2009274"/>
+            </a:gdLst>
+            <a:ahLst/>
+            <a:cxnLst>
+              <a:cxn ang="0">
+                <a:pos x="connsiteX0" y="connsiteY0"/>
+              </a:cxn>
+              <a:cxn ang="0">
+                <a:pos x="connsiteX1" y="connsiteY1"/>
+              </a:cxn>
+              <a:cxn ang="0">
+                <a:pos x="connsiteX2" y="connsiteY2"/>
+              </a:cxn>
+              <a:cxn ang="0">
+                <a:pos x="connsiteX3" y="connsiteY3"/>
+              </a:cxn>
+              <a:cxn ang="0">
+                <a:pos x="connsiteX4" y="connsiteY4"/>
+              </a:cxn>
+              <a:cxn ang="0">
+                <a:pos x="connsiteX5" y="connsiteY5"/>
+              </a:cxn>
+              <a:cxn ang="0">
+                <a:pos x="connsiteX6" y="connsiteY6"/>
+              </a:cxn>
+              <a:cxn ang="0">
+                <a:pos x="connsiteX7" y="connsiteY7"/>
+              </a:cxn>
+              <a:cxn ang="0">
+                <a:pos x="connsiteX8" y="connsiteY8"/>
+              </a:cxn>
+              <a:cxn ang="0">
+                <a:pos x="connsiteX9" y="connsiteY9"/>
+              </a:cxn>
+            </a:cxnLst>
+            <a:rect l="l" t="t" r="r" b="b"/>
+            <a:pathLst>
+              <a:path w="1540800" h="2009274">
+                <a:moveTo>
+                  <a:pt x="3" y="2009273"/>
+                </a:moveTo>
+                <a:lnTo>
+                  <a:pt x="2" y="2009274"/>
+                </a:lnTo>
+                <a:lnTo>
+                  <a:pt x="0" y="2009274"/>
+                </a:lnTo>
+                <a:close/>
+                <a:moveTo>
+                  <a:pt x="1539866" y="2008807"/>
+                </a:moveTo>
+                <a:lnTo>
+                  <a:pt x="1540800" y="2009274"/>
+                </a:lnTo>
+                <a:lnTo>
+                  <a:pt x="1540045" y="2009274"/>
+                </a:lnTo>
+                <a:close/>
+                <a:moveTo>
+                  <a:pt x="770024" y="0"/>
+                </a:moveTo>
+                <a:lnTo>
+                  <a:pt x="1539866" y="2008807"/>
+                </a:lnTo>
+                <a:lnTo>
+                  <a:pt x="770400" y="1624262"/>
+                </a:lnTo>
+                <a:lnTo>
+                  <a:pt x="3" y="2009273"/>
+                </a:lnTo>
+                <a:close/>
+              </a:path>
+            </a:pathLst>
+          </a:custGeom>
+          <a:gradFill>
+            <a:gsLst>
+              <a:gs pos="0">
+                <a:srgbClr val="FFF7D1"/>
+              </a:gs>
+              <a:gs pos="26000">
+                <a:srgbClr val="FFF7D1"/>
+              </a:gs>
+              <a:gs pos="47000">
+                <a:srgbClr val="FFF3B5"/>
+              </a:gs>
+              <a:gs pos="100000">
+                <a:srgbClr val="FFEA81"/>
+              </a:gs>
+            </a:gsLst>
+            <a:lin ang="5400000" scaled="1"/>
+          </a:gradFill>
+          <a:ln>
+            <a:noFill/>
+          </a:ln>
+        </p:spPr>
+        <p:style>
+          <a:lnRef idx="2">
+            <a:schemeClr val="accent1">
+              <a:shade val="50000"/>
+            </a:schemeClr>
+          </a:lnRef>
+          <a:fillRef idx="1">
+            <a:schemeClr val="accent1"/>
+          </a:fillRef>
+          <a:effectRef idx="0">
+            <a:schemeClr val="accent1"/>
+          </a:effectRef>
+          <a:fontRef idx="minor">
+            <a:schemeClr val="lt1"/>
+          </a:fontRef>
+        </p:style>
+        <p:txBody>
+          <a:bodyPr rtlCol="0" anchor="ctr"/>
+          <a:lstStyle/>
+          <a:p>
+            <a:pPr algn="ctr"/>
+            <a:endParaRPr lang="zh-CN" altLang="en-US"/>
+          </a:p>
+        </p:txBody>
+      </p:sp>
+      <p:sp>
+        <p:nvSpPr>
+          <p:cNvPr id="12" name="等腰三角形 11">
+            <a:extLst>
+              <a:ext uri="{FF2B5EF4-FFF2-40B4-BE49-F238E27FC236}">
+                <a16:creationId xmlns:a16="http://schemas.microsoft.com/office/drawing/2014/main" id="{768F7928-3AF1-46C7-A729-BF4E674AD825}"/>
+              </a:ext>
+            </a:extLst>
+          </p:cNvPr>
+          <p:cNvSpPr/>
+          <p:nvPr/>
+        </p:nvSpPr>
+        <p:spPr>
+          <a:xfrm>
+            <a:off x="3019425" y="694951"/>
+            <a:ext cx="180000" cy="266400"/>
+          </a:xfrm>
+          <a:prstGeom prst="triangle">
+            <a:avLst/>
+          </a:prstGeom>
+          <a:solidFill>
+            <a:srgbClr val="FFF7D1"/>
+          </a:solidFill>
+          <a:ln>
+            <a:noFill/>
+          </a:ln>
+        </p:spPr>
+        <p:style>
+          <a:lnRef idx="2">
+            <a:schemeClr val="accent1">
+              <a:shade val="50000"/>
+            </a:schemeClr>
+          </a:lnRef>
+          <a:fillRef idx="1">
+            <a:schemeClr val="accent1"/>
+          </a:fillRef>
+          <a:effectRef idx="0">
+            <a:schemeClr val="accent1"/>
+          </a:effectRef>
+          <a:fontRef idx="minor">
+            <a:schemeClr val="lt1"/>
+          </a:fontRef>
+        </p:style>
+        <p:txBody>
+          <a:bodyPr rtlCol="0" anchor="ctr"/>
+          <a:lstStyle/>
+          <a:p>
+            <a:pPr algn="ctr"/>
+            <a:endParaRPr lang="zh-CN" altLang="en-US"/>
+          </a:p>
+        </p:txBody>
+      </p:sp>
+      <p:sp>
+        <p:nvSpPr>
+          <p:cNvPr id="13" name="椭圆 12">
+            <a:extLst>
+              <a:ext uri="{FF2B5EF4-FFF2-40B4-BE49-F238E27FC236}">
+                <a16:creationId xmlns:a16="http://schemas.microsoft.com/office/drawing/2014/main" id="{0059F622-D6E5-44A7-A066-273ED634B47E}"/>
+              </a:ext>
+            </a:extLst>
+          </p:cNvPr>
+          <p:cNvSpPr/>
+          <p:nvPr/>
+        </p:nvSpPr>
+        <p:spPr>
+          <a:xfrm>
+            <a:off x="2336287" y="1544335"/>
+            <a:ext cx="99060" cy="99060"/>
+          </a:xfrm>
+          <a:prstGeom prst="ellipse">
+            <a:avLst/>
+          </a:prstGeom>
+          <a:solidFill>
+            <a:srgbClr val="FF0000"/>
+          </a:solidFill>
+          <a:ln>
+            <a:noFill/>
+          </a:ln>
+        </p:spPr>
+        <p:style>
+          <a:lnRef idx="2">
+            <a:schemeClr val="accent1">
+              <a:shade val="50000"/>
+            </a:schemeClr>
+          </a:lnRef>
+          <a:fillRef idx="1">
+            <a:schemeClr val="accent1"/>
+          </a:fillRef>
+          <a:effectRef idx="0">
+            <a:schemeClr val="accent1"/>
+          </a:effectRef>
+          <a:fontRef idx="minor">
+            <a:schemeClr val="lt1"/>
+          </a:fontRef>
+        </p:style>
+        <p:txBody>
+          <a:bodyPr rtlCol="0" anchor="ctr"/>
+          <a:lstStyle/>
+          <a:p>
+            <a:pPr algn="ctr"/>
+            <a:endParaRPr lang="zh-CN" altLang="en-US"/>
+          </a:p>
+        </p:txBody>
+      </p:sp>
+      <p:pic>
+        <p:nvPicPr>
+          <p:cNvPr id="15" name="图片 14">
+            <a:extLst>
+              <a:ext uri="{FF2B5EF4-FFF2-40B4-BE49-F238E27FC236}">
+                <a16:creationId xmlns:a16="http://schemas.microsoft.com/office/drawing/2014/main" id="{14FE9099-FE6C-43BD-83F4-914D5DE85D76}"/>
+              </a:ext>
+            </a:extLst>
+          </p:cNvPr>
+          <p:cNvPicPr>
+            <a:picLocks noChangeAspect="1"/>
+          </p:cNvPicPr>
+          <p:nvPr/>
+        </p:nvPicPr>
+        <p:blipFill>
+          <a:blip r:embed="rId2">
+            <a:extLst>
+              <a:ext uri="{28A0092B-C50C-407E-A947-70E740481C1C}">
+                <a14:useLocalDpi xmlns:a14="http://schemas.microsoft.com/office/drawing/2010/main" val="0"/>
+              </a:ext>
+            </a:extLst>
+          </a:blip>
+          <a:stretch>
+            <a:fillRect/>
+          </a:stretch>
+        </p:blipFill>
+        <p:spPr>
+          <a:xfrm>
+            <a:off x="5422333" y="2755333"/>
+            <a:ext cx="1347333" cy="1347333"/>
+          </a:xfrm>
+          <a:prstGeom prst="rect">
+            <a:avLst/>
+          </a:prstGeom>
+        </p:spPr>
+      </p:pic>
+      <p:sp>
+        <p:nvSpPr>
+          <p:cNvPr id="16" name="椭圆 15">
+            <a:extLst>
+              <a:ext uri="{FF2B5EF4-FFF2-40B4-BE49-F238E27FC236}">
+                <a16:creationId xmlns:a16="http://schemas.microsoft.com/office/drawing/2014/main" id="{A754718C-05B5-4E7A-87AF-65A9202727FA}"/>
+              </a:ext>
+            </a:extLst>
+          </p:cNvPr>
+          <p:cNvSpPr/>
+          <p:nvPr/>
+        </p:nvSpPr>
+        <p:spPr>
+          <a:xfrm>
+            <a:off x="3835060" y="1191494"/>
+            <a:ext cx="1423825" cy="1423825"/>
+          </a:xfrm>
+          <a:prstGeom prst="ellipse">
+            <a:avLst/>
+          </a:prstGeom>
+          <a:gradFill flip="none" rotWithShape="1">
+            <a:gsLst>
+              <a:gs pos="0">
+                <a:srgbClr val="FFFF00">
+                  <a:alpha val="5000"/>
+                </a:srgbClr>
+              </a:gs>
+              <a:gs pos="79000">
+                <a:srgbClr val="FFFF00">
+                  <a:alpha val="50000"/>
+                </a:srgbClr>
+              </a:gs>
+              <a:gs pos="100000">
+                <a:srgbClr val="FFFF00">
+                  <a:alpha val="0"/>
+                </a:srgbClr>
+              </a:gs>
+            </a:gsLst>
+            <a:path path="circle">
+              <a:fillToRect l="50000" t="50000" r="50000" b="50000"/>
+            </a:path>
+            <a:tileRect/>
+          </a:gradFill>
+          <a:ln>
+            <a:noFill/>
+          </a:ln>
+        </p:spPr>
+        <p:style>
+          <a:lnRef idx="2">
+            <a:schemeClr val="accent1">
+              <a:shade val="50000"/>
+            </a:schemeClr>
+          </a:lnRef>
+          <a:fillRef idx="1">
+            <a:schemeClr val="accent1"/>
+          </a:fillRef>
+          <a:effectRef idx="0">
+            <a:schemeClr val="accent1"/>
+          </a:effectRef>
+          <a:fontRef idx="minor">
+            <a:schemeClr val="lt1"/>
+          </a:fontRef>
+        </p:style>
+        <p:txBody>
+          <a:bodyPr rtlCol="0" anchor="ctr"/>
+          <a:lstStyle/>
+          <a:p>
+            <a:pPr algn="ctr"/>
+            <a:endParaRPr lang="zh-CN" altLang="en-US"/>
+          </a:p>
+        </p:txBody>
+      </p:sp>
+      <p:pic>
+        <p:nvPicPr>
+          <p:cNvPr id="18" name="图片 17">
+            <a:extLst>
+              <a:ext uri="{FF2B5EF4-FFF2-40B4-BE49-F238E27FC236}">
+                <a16:creationId xmlns:a16="http://schemas.microsoft.com/office/drawing/2014/main" id="{D6EB946F-CDA9-48B0-8079-8D42962E8D3C}"/>
+              </a:ext>
+            </a:extLst>
+          </p:cNvPr>
+          <p:cNvPicPr>
+            <a:picLocks noChangeAspect="1"/>
+          </p:cNvPicPr>
+          <p:nvPr/>
+        </p:nvPicPr>
+        <p:blipFill>
+          <a:blip r:embed="rId3">
+            <a:extLst>
+              <a:ext uri="{28A0092B-C50C-407E-A947-70E740481C1C}">
+                <a14:useLocalDpi xmlns:a14="http://schemas.microsoft.com/office/drawing/2010/main" val="0"/>
+              </a:ext>
+            </a:extLst>
+          </a:blip>
+          <a:stretch>
+            <a:fillRect/>
+          </a:stretch>
+        </p:blipFill>
+        <p:spPr>
+          <a:xfrm>
+            <a:off x="5794276" y="1191494"/>
+            <a:ext cx="402371" cy="402371"/>
+          </a:xfrm>
+          <a:prstGeom prst="rect">
+            <a:avLst/>
+          </a:prstGeom>
+        </p:spPr>
+      </p:pic>
+      <p:sp>
+        <p:nvSpPr>
+          <p:cNvPr id="21" name="星形: 六角 20">
+            <a:extLst>
+              <a:ext uri="{FF2B5EF4-FFF2-40B4-BE49-F238E27FC236}">
+                <a16:creationId xmlns:a16="http://schemas.microsoft.com/office/drawing/2014/main" id="{211EA0DB-52D5-4BFC-B880-D83116237D9B}"/>
+              </a:ext>
+            </a:extLst>
+          </p:cNvPr>
+          <p:cNvSpPr/>
+          <p:nvPr/>
+        </p:nvSpPr>
+        <p:spPr>
+          <a:xfrm>
+            <a:off x="6495731" y="1081687"/>
+            <a:ext cx="351963" cy="351963"/>
+          </a:xfrm>
+          <a:prstGeom prst="star6">
+            <a:avLst>
+              <a:gd name="adj" fmla="val 41089"/>
+              <a:gd name="hf" fmla="val 115470"/>
+            </a:avLst>
+          </a:prstGeom>
+          <a:ln>
+            <a:noFill/>
+          </a:ln>
+        </p:spPr>
+        <p:style>
+          <a:lnRef idx="2">
+            <a:schemeClr val="accent1">
+              <a:shade val="50000"/>
+            </a:schemeClr>
+          </a:lnRef>
+          <a:fillRef idx="1">
+            <a:schemeClr val="accent1"/>
+          </a:fillRef>
+          <a:effectRef idx="0">
+            <a:schemeClr val="accent1"/>
+          </a:effectRef>
+          <a:fontRef idx="minor">
+            <a:schemeClr val="lt1"/>
+          </a:fontRef>
+        </p:style>
+        <p:txBody>
+          <a:bodyPr rtlCol="0" anchor="ctr"/>
+          <a:lstStyle/>
+          <a:p>
+            <a:pPr algn="ctr"/>
+            <a:endParaRPr lang="zh-CN" altLang="en-US"/>
+          </a:p>
+        </p:txBody>
+      </p:sp>
+      <p:grpSp>
+        <p:nvGrpSpPr>
+          <p:cNvPr id="23" name="组合 22">
+            <a:extLst>
+              <a:ext uri="{FF2B5EF4-FFF2-40B4-BE49-F238E27FC236}">
+                <a16:creationId xmlns:a16="http://schemas.microsoft.com/office/drawing/2014/main" id="{96110976-4AAB-4EC1-BEBD-06511995B525}"/>
+              </a:ext>
+            </a:extLst>
+          </p:cNvPr>
+          <p:cNvGrpSpPr/>
+          <p:nvPr/>
+        </p:nvGrpSpPr>
+        <p:grpSpPr>
+          <a:xfrm>
+            <a:off x="3268412" y="2540202"/>
+            <a:ext cx="403200" cy="403200"/>
+            <a:chOff x="7072547" y="1108969"/>
+            <a:chExt cx="403200" cy="403200"/>
+          </a:xfrm>
+        </p:grpSpPr>
+        <p:sp>
+          <p:nvSpPr>
+            <p:cNvPr id="19" name="椭圆 18">
+              <a:extLst>
+                <a:ext uri="{FF2B5EF4-FFF2-40B4-BE49-F238E27FC236}">
+                  <a16:creationId xmlns:a16="http://schemas.microsoft.com/office/drawing/2014/main" id="{C52F0145-B2A0-480A-9338-57B35EEE2BBF}"/>
+                </a:ext>
+              </a:extLst>
+            </p:cNvPr>
+            <p:cNvSpPr/>
+            <p:nvPr/>
+          </p:nvSpPr>
+          <p:spPr>
+            <a:xfrm>
+              <a:off x="7072547" y="1108969"/>
+              <a:ext cx="403200" cy="403200"/>
+            </a:xfrm>
+            <a:prstGeom prst="ellipse">
+              <a:avLst/>
+            </a:prstGeom>
+            <a:solidFill>
+              <a:srgbClr val="ADC6FF"/>
+            </a:solidFill>
+            <a:ln>
+              <a:noFill/>
+            </a:ln>
+          </p:spPr>
+          <p:style>
+            <a:lnRef idx="2">
+              <a:schemeClr val="accent1">
+                <a:shade val="50000"/>
+              </a:schemeClr>
+            </a:lnRef>
+            <a:fillRef idx="1">
+              <a:schemeClr val="accent1"/>
+            </a:fillRef>
+            <a:effectRef idx="0">
+              <a:schemeClr val="accent1"/>
+            </a:effectRef>
+            <a:fontRef idx="minor">
+              <a:schemeClr val="lt1"/>
+            </a:fontRef>
+          </p:style>
+          <p:txBody>
+            <a:bodyPr rtlCol="0" anchor="ctr"/>
+            <a:lstStyle/>
+            <a:p>
+              <a:pPr algn="ctr"/>
+              <a:endParaRPr lang="zh-CN" altLang="en-US"/>
+            </a:p>
+          </p:txBody>
+        </p:sp>
+        <p:sp>
+          <p:nvSpPr>
+            <p:cNvPr id="22" name="星形: 五角 21">
+              <a:extLst>
+                <a:ext uri="{FF2B5EF4-FFF2-40B4-BE49-F238E27FC236}">
+                  <a16:creationId xmlns:a16="http://schemas.microsoft.com/office/drawing/2014/main" id="{C4E7ED7B-CDAC-4AF5-AFE7-FF4DA1C280CB}"/>
+                </a:ext>
+              </a:extLst>
+            </p:cNvPr>
+            <p:cNvSpPr/>
+            <p:nvPr/>
+          </p:nvSpPr>
+          <p:spPr>
+            <a:xfrm>
+              <a:off x="7118176" y="1147452"/>
+              <a:ext cx="311943" cy="311943"/>
+            </a:xfrm>
+            <a:prstGeom prst="star5">
+              <a:avLst>
+                <a:gd name="adj" fmla="val 32217"/>
+                <a:gd name="hf" fmla="val 105146"/>
+                <a:gd name="vf" fmla="val 110557"/>
+              </a:avLst>
+            </a:prstGeom>
+            <a:solidFill>
+              <a:srgbClr val="85A5FF"/>
+            </a:solidFill>
+            <a:ln>
+              <a:noFill/>
+            </a:ln>
+          </p:spPr>
+          <p:style>
+            <a:lnRef idx="2">
+              <a:schemeClr val="accent1">
+                <a:shade val="50000"/>
+              </a:schemeClr>
+            </a:lnRef>
+            <a:fillRef idx="1">
+              <a:schemeClr val="accent1"/>
+            </a:fillRef>
+            <a:effectRef idx="0">
+              <a:schemeClr val="accent1"/>
+            </a:effectRef>
+            <a:fontRef idx="minor">
+              <a:schemeClr val="lt1"/>
+            </a:fontRef>
+          </p:style>
+          <p:txBody>
+            <a:bodyPr rtlCol="0" anchor="ctr"/>
+            <a:lstStyle/>
+            <a:p>
+              <a:pPr algn="ctr"/>
+              <a:endParaRPr lang="zh-CN" altLang="en-US"/>
+            </a:p>
+          </p:txBody>
+        </p:sp>
+      </p:grpSp>
+      <p:pic>
+        <p:nvPicPr>
+          <p:cNvPr id="25" name="图片 24">
+            <a:extLst>
+              <a:ext uri="{FF2B5EF4-FFF2-40B4-BE49-F238E27FC236}">
+                <a16:creationId xmlns:a16="http://schemas.microsoft.com/office/drawing/2014/main" id="{B89A6346-11AD-4C78-947B-198B94280738}"/>
+              </a:ext>
+            </a:extLst>
+          </p:cNvPr>
+          <p:cNvPicPr>
+            <a:picLocks noChangeAspect="1"/>
+          </p:cNvPicPr>
+          <p:nvPr/>
+        </p:nvPicPr>
+        <p:blipFill>
+          <a:blip r:embed="rId4">
+            <a:extLst>
+              <a:ext uri="{28A0092B-C50C-407E-A947-70E740481C1C}">
+                <a14:useLocalDpi xmlns:a14="http://schemas.microsoft.com/office/drawing/2010/main" val="0"/>
+              </a:ext>
+            </a:extLst>
+          </a:blip>
+          <a:stretch>
+            <a:fillRect/>
+          </a:stretch>
+        </p:blipFill>
+        <p:spPr>
+          <a:xfrm>
+            <a:off x="7394838" y="2578685"/>
+            <a:ext cx="1625397" cy="1625397"/>
+          </a:xfrm>
+          <a:prstGeom prst="rect">
+            <a:avLst/>
+          </a:prstGeom>
+        </p:spPr>
+      </p:pic>
+      <p:pic>
+        <p:nvPicPr>
+          <p:cNvPr id="29" name="图片 28">
+            <a:extLst>
+              <a:ext uri="{FF2B5EF4-FFF2-40B4-BE49-F238E27FC236}">
+                <a16:creationId xmlns:a16="http://schemas.microsoft.com/office/drawing/2014/main" id="{77A48501-63C4-4F49-8398-2C2DE57875D8}"/>
+              </a:ext>
+            </a:extLst>
+          </p:cNvPr>
+          <p:cNvPicPr>
+            <a:picLocks noChangeAspect="1"/>
+          </p:cNvPicPr>
+          <p:nvPr/>
+        </p:nvPicPr>
+        <p:blipFill>
+          <a:blip r:embed="rId5">
+            <a:extLst>
+              <a:ext uri="{28A0092B-C50C-407E-A947-70E740481C1C}">
+                <a14:useLocalDpi xmlns:a14="http://schemas.microsoft.com/office/drawing/2010/main" val="0"/>
+              </a:ext>
+            </a:extLst>
+          </a:blip>
+          <a:stretch>
+            <a:fillRect/>
+          </a:stretch>
+        </p:blipFill>
+        <p:spPr>
+          <a:xfrm>
+            <a:off x="7001350" y="694951"/>
+            <a:ext cx="1625397" cy="1625397"/>
+          </a:xfrm>
+          <a:prstGeom prst="rect">
+            <a:avLst/>
+          </a:prstGeom>
+        </p:spPr>
+      </p:pic>
+      <p:pic>
+        <p:nvPicPr>
+          <p:cNvPr id="27" name="图片 26">
+            <a:extLst>
+              <a:ext uri="{FF2B5EF4-FFF2-40B4-BE49-F238E27FC236}">
+                <a16:creationId xmlns:a16="http://schemas.microsoft.com/office/drawing/2014/main" id="{59A2AAE2-5E10-4362-AEB7-8AC2209CA63F}"/>
+              </a:ext>
+            </a:extLst>
+          </p:cNvPr>
+          <p:cNvPicPr>
+            <a:picLocks noChangeAspect="1"/>
+          </p:cNvPicPr>
+          <p:nvPr/>
+        </p:nvPicPr>
+        <p:blipFill>
+          <a:blip r:embed="rId6">
+            <a:extLst>
+              <a:ext uri="{28A0092B-C50C-407E-A947-70E740481C1C}">
+                <a14:useLocalDpi xmlns:a14="http://schemas.microsoft.com/office/drawing/2010/main" val="0"/>
+              </a:ext>
+            </a:extLst>
+          </a:blip>
+          <a:stretch>
+            <a:fillRect/>
+          </a:stretch>
+        </p:blipFill>
+        <p:spPr>
+          <a:xfrm>
+            <a:off x="7318075" y="999751"/>
+            <a:ext cx="1003414" cy="1003414"/>
+          </a:xfrm>
+          <a:prstGeom prst="rect">
+            <a:avLst/>
+          </a:prstGeom>
+        </p:spPr>
+      </p:pic>
+      <p:sp>
+        <p:nvSpPr>
+          <p:cNvPr id="2" name="矩形 1">
+            <a:extLst>
+              <a:ext uri="{FF2B5EF4-FFF2-40B4-BE49-F238E27FC236}">
+                <a16:creationId xmlns:a16="http://schemas.microsoft.com/office/drawing/2014/main" id="{F2EDE5BA-7F19-49BE-B2D2-9D4B03C2D1D2}"/>
+              </a:ext>
+            </a:extLst>
+          </p:cNvPr>
+          <p:cNvSpPr/>
+          <p:nvPr/>
+        </p:nvSpPr>
+        <p:spPr>
+          <a:xfrm rot="2035440">
+            <a:off x="3994484" y="3962400"/>
+            <a:ext cx="995089" cy="1625397"/>
+          </a:xfrm>
+          <a:prstGeom prst="rect">
+            <a:avLst/>
+          </a:prstGeom>
+        </p:spPr>
+        <p:style>
+          <a:lnRef idx="2">
+            <a:schemeClr val="accent1">
+              <a:shade val="50000"/>
+            </a:schemeClr>
+          </a:lnRef>
+          <a:fillRef idx="1">
+            <a:schemeClr val="accent1"/>
+          </a:fillRef>
+          <a:effectRef idx="0">
+            <a:schemeClr val="accent1"/>
+          </a:effectRef>
+          <a:fontRef idx="minor">
+            <a:schemeClr val="lt1"/>
+          </a:fontRef>
+        </p:style>
+        <p:txBody>
+          <a:bodyPr rtlCol="0" anchor="ctr"/>
+          <a:lstStyle/>
+          <a:p>
+            <a:pPr algn="ctr"/>
+            <a:endParaRPr lang="zh-CN" altLang="en-US"/>
+          </a:p>
+        </p:txBody>
+      </p:sp>
+      <p:sp>
+        <p:nvSpPr>
+          <p:cNvPr id="3" name="菱形 2">
+            <a:extLst>
+              <a:ext uri="{FF2B5EF4-FFF2-40B4-BE49-F238E27FC236}">
+                <a16:creationId xmlns:a16="http://schemas.microsoft.com/office/drawing/2014/main" id="{4B3B3295-89EA-4F26-B4A6-9813C786E926}"/>
+              </a:ext>
+            </a:extLst>
+          </p:cNvPr>
+          <p:cNvSpPr/>
+          <p:nvPr/>
+        </p:nvSpPr>
+        <p:spPr>
+          <a:xfrm>
+            <a:off x="1511831" y="2818125"/>
+            <a:ext cx="1581908" cy="2308868"/>
+          </a:xfrm>
+          <a:prstGeom prst="diamond">
+            <a:avLst/>
+          </a:prstGeom>
+        </p:spPr>
+        <p:style>
+          <a:lnRef idx="2">
+            <a:schemeClr val="accent1">
+              <a:shade val="50000"/>
+            </a:schemeClr>
+          </a:lnRef>
+          <a:fillRef idx="1">
+            <a:schemeClr val="accent1"/>
+          </a:fillRef>
+          <a:effectRef idx="0">
+            <a:schemeClr val="accent1"/>
+          </a:effectRef>
+          <a:fontRef idx="minor">
+            <a:schemeClr val="lt1"/>
+          </a:fontRef>
+        </p:style>
+        <p:txBody>
+          <a:bodyPr rtlCol="0" anchor="ctr"/>
+          <a:lstStyle/>
+          <a:p>
+            <a:pPr algn="ctr"/>
+            <a:endParaRPr lang="zh-CN" altLang="en-US"/>
+          </a:p>
+        </p:txBody>
+      </p:sp>
+      <p:pic>
+        <p:nvPicPr>
+          <p:cNvPr id="5" name="图片 4">
+            <a:extLst>
+              <a:ext uri="{FF2B5EF4-FFF2-40B4-BE49-F238E27FC236}">
+                <a16:creationId xmlns:a16="http://schemas.microsoft.com/office/drawing/2014/main" id="{DC8BC90F-1B81-4E8E-84BB-6045E7BCD797}"/>
+              </a:ext>
+            </a:extLst>
+          </p:cNvPr>
+          <p:cNvPicPr>
+            <a:picLocks noChangeAspect="1"/>
+          </p:cNvPicPr>
+          <p:nvPr/>
+        </p:nvPicPr>
+        <p:blipFill>
+          <a:blip r:embed="rId7">
+            <a:extLst>
+              <a:ext uri="{28A0092B-C50C-407E-A947-70E740481C1C}">
+                <a14:useLocalDpi xmlns:a14="http://schemas.microsoft.com/office/drawing/2010/main" val="0"/>
+              </a:ext>
+            </a:extLst>
+          </a:blip>
+          <a:stretch>
+            <a:fillRect/>
+          </a:stretch>
+        </p:blipFill>
+        <p:spPr>
+          <a:xfrm>
+            <a:off x="5086670" y="656551"/>
+            <a:ext cx="609600" cy="609600"/>
+          </a:xfrm>
+          <a:prstGeom prst="rect">
+            <a:avLst/>
+          </a:prstGeom>
+        </p:spPr>
+      </p:pic>
+      <p:sp>
+        <p:nvSpPr>
+          <p:cNvPr id="14" name="椭圆 13">
+            <a:extLst>
+              <a:ext uri="{FF2B5EF4-FFF2-40B4-BE49-F238E27FC236}">
+                <a16:creationId xmlns:a16="http://schemas.microsoft.com/office/drawing/2014/main" id="{4C1E589C-42B0-469D-9471-79CB2B83FB26}"/>
+              </a:ext>
+            </a:extLst>
+          </p:cNvPr>
+          <p:cNvSpPr/>
+          <p:nvPr/>
+        </p:nvSpPr>
+        <p:spPr>
+          <a:xfrm>
+            <a:off x="2787151" y="2054869"/>
+            <a:ext cx="232035" cy="232035"/>
+          </a:xfrm>
+          <a:prstGeom prst="ellipse">
+            <a:avLst/>
+          </a:prstGeom>
+          <a:solidFill>
+            <a:srgbClr val="F1D200"/>
+          </a:solidFill>
+          <a:effectLst>
+            <a:innerShdw blurRad="63500" dist="50800" dir="13500000">
+              <a:schemeClr val="bg1">
+                <a:lumMod val="75000"/>
+                <a:alpha val="50000"/>
+              </a:schemeClr>
+            </a:innerShdw>
+          </a:effectLst>
+        </p:spPr>
+        <p:style>
+          <a:lnRef idx="2">
+            <a:schemeClr val="accent1">
+              <a:shade val="50000"/>
+            </a:schemeClr>
+          </a:lnRef>
+          <a:fillRef idx="1">
+            <a:schemeClr val="accent1"/>
+          </a:fillRef>
+          <a:effectRef idx="0">
+            <a:schemeClr val="accent1"/>
+          </a:effectRef>
+          <a:fontRef idx="minor">
+            <a:schemeClr val="lt1"/>
+          </a:fontRef>
+        </p:style>
+        <p:txBody>
+          <a:bodyPr rtlCol="0" anchor="ctr"/>
+          <a:lstStyle/>
+          <a:p>
+            <a:pPr algn="ctr"/>
+            <a:endParaRPr lang="zh-CN" altLang="en-US"/>
+          </a:p>
+        </p:txBody>
+      </p:sp>
+      <p:pic>
+        <p:nvPicPr>
+          <p:cNvPr id="17" name="图片 16">
+            <a:extLst>
+              <a:ext uri="{FF2B5EF4-FFF2-40B4-BE49-F238E27FC236}">
+                <a16:creationId xmlns:a16="http://schemas.microsoft.com/office/drawing/2014/main" id="{CB9049E7-BBD6-4E1F-82FF-3ED1CDAE3A1E}"/>
+              </a:ext>
+            </a:extLst>
+          </p:cNvPr>
+          <p:cNvPicPr>
+            <a:picLocks noChangeAspect="1"/>
+          </p:cNvPicPr>
+          <p:nvPr/>
+        </p:nvPicPr>
+        <p:blipFill>
+          <a:blip r:embed="rId8">
+            <a:extLst>
+              <a:ext uri="{28A0092B-C50C-407E-A947-70E740481C1C}">
+                <a14:useLocalDpi xmlns:a14="http://schemas.microsoft.com/office/drawing/2010/main" val="0"/>
+              </a:ext>
+            </a:extLst>
+          </a:blip>
+          <a:stretch>
+            <a:fillRect/>
+          </a:stretch>
+        </p:blipFill>
+        <p:spPr>
+          <a:xfrm>
+            <a:off x="2517858" y="1112597"/>
+            <a:ext cx="227698" cy="227698"/>
+          </a:xfrm>
+          <a:prstGeom prst="rect">
+            <a:avLst/>
+          </a:prstGeom>
+        </p:spPr>
+      </p:pic>
+      <p:grpSp>
+        <p:nvGrpSpPr>
+          <p:cNvPr id="28" name="组合 27">
+            <a:extLst>
+              <a:ext uri="{FF2B5EF4-FFF2-40B4-BE49-F238E27FC236}">
+                <a16:creationId xmlns:a16="http://schemas.microsoft.com/office/drawing/2014/main" id="{112D2B13-BC36-450F-947B-DF351AEBFFDD}"/>
+              </a:ext>
+            </a:extLst>
+          </p:cNvPr>
+          <p:cNvGrpSpPr/>
+          <p:nvPr/>
+        </p:nvGrpSpPr>
+        <p:grpSpPr>
+          <a:xfrm>
+            <a:off x="9098260" y="3107094"/>
+            <a:ext cx="2057928" cy="2019899"/>
+            <a:chOff x="9098260" y="3107094"/>
+            <a:chExt cx="2057928" cy="2019899"/>
+          </a:xfrm>
+        </p:grpSpPr>
+        <p:pic>
+          <p:nvPicPr>
+            <p:cNvPr id="20" name="图片 19">
+              <a:extLst>
+                <a:ext uri="{FF2B5EF4-FFF2-40B4-BE49-F238E27FC236}">
+                  <a16:creationId xmlns:a16="http://schemas.microsoft.com/office/drawing/2014/main" id="{4EC06BCD-6B70-4D10-B356-6CD1061B995C}"/>
+                </a:ext>
+              </a:extLst>
+            </p:cNvPr>
+            <p:cNvPicPr>
+              <a:picLocks noChangeAspect="1"/>
+            </p:cNvPicPr>
+            <p:nvPr/>
+          </p:nvPicPr>
+          <p:blipFill rotWithShape="1">
+            <a:blip r:embed="rId9">
+              <a:extLst>
+                <a:ext uri="{28A0092B-C50C-407E-A947-70E740481C1C}">
+                  <a14:useLocalDpi xmlns:a14="http://schemas.microsoft.com/office/drawing/2010/main" val="0"/>
+                </a:ext>
+              </a:extLst>
+            </a:blip>
+            <a:srcRect l="16407" t="15644" r="18123" b="20095"/>
+            <a:stretch/>
+          </p:blipFill>
+          <p:spPr>
+            <a:xfrm>
+              <a:off x="9098260" y="3107094"/>
+              <a:ext cx="2057928" cy="2019899"/>
+            </a:xfrm>
+            <a:prstGeom prst="rect">
+              <a:avLst/>
+            </a:prstGeom>
+          </p:spPr>
+        </p:pic>
+        <p:pic>
+          <p:nvPicPr>
+            <p:cNvPr id="26" name="图片 25">
+              <a:extLst>
+                <a:ext uri="{FF2B5EF4-FFF2-40B4-BE49-F238E27FC236}">
+                  <a16:creationId xmlns:a16="http://schemas.microsoft.com/office/drawing/2014/main" id="{B2492504-4AD4-473B-A909-95E2D458FC27}"/>
+                </a:ext>
+              </a:extLst>
+            </p:cNvPr>
+            <p:cNvPicPr>
+              <a:picLocks noChangeAspect="1"/>
+            </p:cNvPicPr>
+            <p:nvPr/>
+          </p:nvPicPr>
+          <p:blipFill>
+            <a:blip r:embed="rId10">
+              <a:extLst>
+                <a:ext uri="{28A0092B-C50C-407E-A947-70E740481C1C}">
+                  <a14:useLocalDpi xmlns:a14="http://schemas.microsoft.com/office/drawing/2010/main" val="0"/>
+                </a:ext>
+              </a:extLst>
+            </a:blip>
+            <a:stretch>
+              <a:fillRect/>
+            </a:stretch>
+          </p:blipFill>
+          <p:spPr>
+            <a:xfrm>
+              <a:off x="9558608" y="3415644"/>
+              <a:ext cx="1286524" cy="1286524"/>
+            </a:xfrm>
+            <a:prstGeom prst="rect">
+              <a:avLst/>
+            </a:prstGeom>
+          </p:spPr>
+        </p:pic>
+      </p:grpSp>
+    </p:spTree>
+    <p:extLst>
+      <p:ext uri="{BB962C8B-B14F-4D97-AF65-F5344CB8AC3E}">
+        <p14:creationId xmlns:p14="http://schemas.microsoft.com/office/powerpoint/2010/main" val="2758448110"/>
+      </p:ext>
+    </p:extLst>
+  </p:cSld>
+  <p:clrMapOvr>
+    <a:masterClrMapping/>
+  </p:clrMapOvr>
+</p:sld>
+</file>
+
 <file path=ppt/theme/theme1.xml><?xml version="1.0" encoding="utf-8"?>
 <a:theme xmlns:a="http://schemas.openxmlformats.org/drawingml/2006/main" name="Office 主题​​">
   <a:themeElements>

--- a/演示文稿1.pptx
+++ b/演示文稿1.pptx
@@ -8091,6 +8091,262 @@
           </p:spPr>
         </p:pic>
       </p:grpSp>
+      <p:grpSp>
+        <p:nvGrpSpPr>
+          <p:cNvPr id="30" name="组合 29">
+            <a:extLst>
+              <a:ext uri="{FF2B5EF4-FFF2-40B4-BE49-F238E27FC236}">
+                <a16:creationId xmlns:a16="http://schemas.microsoft.com/office/drawing/2014/main" id="{3FFCF89A-0BD3-45B1-A603-FE69E1380EAB}"/>
+              </a:ext>
+            </a:extLst>
+          </p:cNvPr>
+          <p:cNvGrpSpPr/>
+          <p:nvPr/>
+        </p:nvGrpSpPr>
+        <p:grpSpPr>
+          <a:xfrm>
+            <a:off x="9251919" y="666488"/>
+            <a:ext cx="365760" cy="365760"/>
+            <a:chOff x="9098260" y="3107094"/>
+            <a:chExt cx="2057928" cy="2019899"/>
+          </a:xfrm>
+        </p:grpSpPr>
+        <p:pic>
+          <p:nvPicPr>
+            <p:cNvPr id="31" name="图片 30">
+              <a:extLst>
+                <a:ext uri="{FF2B5EF4-FFF2-40B4-BE49-F238E27FC236}">
+                  <a16:creationId xmlns:a16="http://schemas.microsoft.com/office/drawing/2014/main" id="{8DC42E57-907A-43A9-8E61-3757A1DB532F}"/>
+                </a:ext>
+              </a:extLst>
+            </p:cNvPr>
+            <p:cNvPicPr>
+              <a:picLocks noChangeAspect="1"/>
+            </p:cNvPicPr>
+            <p:nvPr/>
+          </p:nvPicPr>
+          <p:blipFill rotWithShape="1">
+            <a:blip r:embed="rId9">
+              <a:extLst>
+                <a:ext uri="{28A0092B-C50C-407E-A947-70E740481C1C}">
+                  <a14:useLocalDpi xmlns:a14="http://schemas.microsoft.com/office/drawing/2010/main" val="0"/>
+                </a:ext>
+              </a:extLst>
+            </a:blip>
+            <a:srcRect l="16407" t="15644" r="18123" b="20095"/>
+            <a:stretch/>
+          </p:blipFill>
+          <p:spPr>
+            <a:xfrm>
+              <a:off x="9098260" y="3107094"/>
+              <a:ext cx="2057928" cy="2019899"/>
+            </a:xfrm>
+            <a:prstGeom prst="rect">
+              <a:avLst/>
+            </a:prstGeom>
+          </p:spPr>
+        </p:pic>
+        <p:pic>
+          <p:nvPicPr>
+            <p:cNvPr id="32" name="图片 31">
+              <a:extLst>
+                <a:ext uri="{FF2B5EF4-FFF2-40B4-BE49-F238E27FC236}">
+                  <a16:creationId xmlns:a16="http://schemas.microsoft.com/office/drawing/2014/main" id="{9D54CC12-9EE9-499D-8186-FDAE97FB3572}"/>
+                </a:ext>
+              </a:extLst>
+            </p:cNvPr>
+            <p:cNvPicPr>
+              <a:picLocks noChangeAspect="1"/>
+            </p:cNvPicPr>
+            <p:nvPr/>
+          </p:nvPicPr>
+          <p:blipFill>
+            <a:blip r:embed="rId10">
+              <a:extLst>
+                <a:ext uri="{28A0092B-C50C-407E-A947-70E740481C1C}">
+                  <a14:useLocalDpi xmlns:a14="http://schemas.microsoft.com/office/drawing/2010/main" val="0"/>
+                </a:ext>
+              </a:extLst>
+            </a:blip>
+            <a:stretch>
+              <a:fillRect/>
+            </a:stretch>
+          </p:blipFill>
+          <p:spPr>
+            <a:xfrm>
+              <a:off x="9558608" y="3415644"/>
+              <a:ext cx="1286524" cy="1286524"/>
+            </a:xfrm>
+            <a:prstGeom prst="rect">
+              <a:avLst/>
+            </a:prstGeom>
+          </p:spPr>
+        </p:pic>
+      </p:grpSp>
+      <p:grpSp>
+        <p:nvGrpSpPr>
+          <p:cNvPr id="35" name="组合 34">
+            <a:extLst>
+              <a:ext uri="{FF2B5EF4-FFF2-40B4-BE49-F238E27FC236}">
+                <a16:creationId xmlns:a16="http://schemas.microsoft.com/office/drawing/2014/main" id="{55426128-2EB6-4008-9FCF-C2A50665E932}"/>
+              </a:ext>
+            </a:extLst>
+          </p:cNvPr>
+          <p:cNvGrpSpPr/>
+          <p:nvPr/>
+        </p:nvGrpSpPr>
+        <p:grpSpPr>
+          <a:xfrm>
+            <a:off x="10510003" y="1545965"/>
+            <a:ext cx="365760" cy="365760"/>
+            <a:chOff x="9020235" y="1214072"/>
+            <a:chExt cx="2057928" cy="2019899"/>
+          </a:xfrm>
+        </p:grpSpPr>
+        <p:pic>
+          <p:nvPicPr>
+            <p:cNvPr id="33" name="图片 32">
+              <a:extLst>
+                <a:ext uri="{FF2B5EF4-FFF2-40B4-BE49-F238E27FC236}">
+                  <a16:creationId xmlns:a16="http://schemas.microsoft.com/office/drawing/2014/main" id="{F46095E6-ED8D-4046-901E-C14DD98C65D5}"/>
+                </a:ext>
+              </a:extLst>
+            </p:cNvPr>
+            <p:cNvPicPr>
+              <a:picLocks noChangeAspect="1"/>
+            </p:cNvPicPr>
+            <p:nvPr/>
+          </p:nvPicPr>
+          <p:blipFill>
+            <a:blip r:embed="rId11">
+              <a:extLst>
+                <a:ext uri="{28A0092B-C50C-407E-A947-70E740481C1C}">
+                  <a14:useLocalDpi xmlns:a14="http://schemas.microsoft.com/office/drawing/2010/main" val="0"/>
+                </a:ext>
+              </a:extLst>
+            </a:blip>
+            <a:stretch>
+              <a:fillRect/>
+            </a:stretch>
+          </p:blipFill>
+          <p:spPr>
+            <a:xfrm rot="20490797">
+              <a:off x="9552916" y="1573665"/>
+              <a:ext cx="1214656" cy="1214656"/>
+            </a:xfrm>
+            <a:prstGeom prst="rect">
+              <a:avLst/>
+            </a:prstGeom>
+          </p:spPr>
+        </p:pic>
+        <p:pic>
+          <p:nvPicPr>
+            <p:cNvPr id="34" name="图片 33">
+              <a:extLst>
+                <a:ext uri="{FF2B5EF4-FFF2-40B4-BE49-F238E27FC236}">
+                  <a16:creationId xmlns:a16="http://schemas.microsoft.com/office/drawing/2014/main" id="{1E65E612-88B2-46F9-B9B6-41860E6657AF}"/>
+                </a:ext>
+              </a:extLst>
+            </p:cNvPr>
+            <p:cNvPicPr>
+              <a:picLocks noChangeAspect="1"/>
+            </p:cNvPicPr>
+            <p:nvPr/>
+          </p:nvPicPr>
+          <p:blipFill rotWithShape="1">
+            <a:blip r:embed="rId9">
+              <a:extLst>
+                <a:ext uri="{28A0092B-C50C-407E-A947-70E740481C1C}">
+                  <a14:useLocalDpi xmlns:a14="http://schemas.microsoft.com/office/drawing/2010/main" val="0"/>
+                </a:ext>
+              </a:extLst>
+            </a:blip>
+            <a:srcRect l="16407" t="15644" r="18123" b="20095"/>
+            <a:stretch/>
+          </p:blipFill>
+          <p:spPr>
+            <a:xfrm>
+              <a:off x="9020235" y="1214072"/>
+              <a:ext cx="2057928" cy="2019899"/>
+            </a:xfrm>
+            <a:prstGeom prst="rect">
+              <a:avLst/>
+            </a:prstGeom>
+          </p:spPr>
+        </p:pic>
+      </p:grpSp>
+      <p:pic>
+        <p:nvPicPr>
+          <p:cNvPr id="37" name="图片 36">
+            <a:extLst>
+              <a:ext uri="{FF2B5EF4-FFF2-40B4-BE49-F238E27FC236}">
+                <a16:creationId xmlns:a16="http://schemas.microsoft.com/office/drawing/2014/main" id="{BC102077-0D47-4521-94A3-3B9812F9B722}"/>
+              </a:ext>
+            </a:extLst>
+          </p:cNvPr>
+          <p:cNvPicPr>
+            <a:picLocks noChangeAspect="1"/>
+          </p:cNvPicPr>
+          <p:nvPr/>
+        </p:nvPicPr>
+        <p:blipFill>
+          <a:blip r:embed="rId12">
+            <a:extLst>
+              <a:ext uri="{28A0092B-C50C-407E-A947-70E740481C1C}">
+                <a14:useLocalDpi xmlns:a14="http://schemas.microsoft.com/office/drawing/2010/main" val="0"/>
+              </a:ext>
+            </a:extLst>
+          </a:blip>
+          <a:stretch>
+            <a:fillRect/>
+          </a:stretch>
+        </p:blipFill>
+        <p:spPr>
+          <a:xfrm>
+            <a:off x="7001350" y="4522607"/>
+            <a:ext cx="965856" cy="965856"/>
+          </a:xfrm>
+          <a:prstGeom prst="rect">
+            <a:avLst/>
+          </a:prstGeom>
+        </p:spPr>
+      </p:pic>
+      <p:pic>
+        <p:nvPicPr>
+          <p:cNvPr id="38" name="图片 37">
+            <a:extLst>
+              <a:ext uri="{FF2B5EF4-FFF2-40B4-BE49-F238E27FC236}">
+                <a16:creationId xmlns:a16="http://schemas.microsoft.com/office/drawing/2014/main" id="{3DF166EC-A63D-4E51-A085-8B4A28B771DE}"/>
+              </a:ext>
+            </a:extLst>
+          </p:cNvPr>
+          <p:cNvPicPr>
+            <a:picLocks noChangeAspect="1"/>
+          </p:cNvPicPr>
+          <p:nvPr/>
+        </p:nvPicPr>
+        <p:blipFill>
+          <a:blip r:embed="rId12">
+            <a:extLst>
+              <a:ext uri="{28A0092B-C50C-407E-A947-70E740481C1C}">
+                <a14:useLocalDpi xmlns:a14="http://schemas.microsoft.com/office/drawing/2010/main" val="0"/>
+              </a:ext>
+            </a:extLst>
+          </a:blip>
+          <a:stretch>
+            <a:fillRect/>
+          </a:stretch>
+        </p:blipFill>
+        <p:spPr>
+          <a:xfrm rot="1162933">
+            <a:off x="7190729" y="4808296"/>
+            <a:ext cx="965856" cy="965856"/>
+          </a:xfrm>
+          <a:prstGeom prst="rect">
+            <a:avLst/>
+          </a:prstGeom>
+        </p:spPr>
+      </p:pic>
     </p:spTree>
     <p:extLst>
       <p:ext uri="{BB962C8B-B14F-4D97-AF65-F5344CB8AC3E}">

--- a/演示文稿1.pptx
+++ b/演示文稿1.pptx
@@ -273,7 +273,7 @@
           <a:p>
             <a:fld id="{11D82F5B-1BA6-42B6-A84E-5D5255035F49}" type="datetimeFigureOut">
               <a:rPr lang="zh-CN" altLang="en-US" smtClean="0"/>
-              <a:t>2019/7/23</a:t>
+              <a:t>2019/7/24</a:t>
             </a:fld>
             <a:endParaRPr lang="zh-CN" altLang="en-US"/>
           </a:p>
@@ -471,7 +471,7 @@
           <a:p>
             <a:fld id="{11D82F5B-1BA6-42B6-A84E-5D5255035F49}" type="datetimeFigureOut">
               <a:rPr lang="zh-CN" altLang="en-US" smtClean="0"/>
-              <a:t>2019/7/23</a:t>
+              <a:t>2019/7/24</a:t>
             </a:fld>
             <a:endParaRPr lang="zh-CN" altLang="en-US"/>
           </a:p>
@@ -679,7 +679,7 @@
           <a:p>
             <a:fld id="{11D82F5B-1BA6-42B6-A84E-5D5255035F49}" type="datetimeFigureOut">
               <a:rPr lang="zh-CN" altLang="en-US" smtClean="0"/>
-              <a:t>2019/7/23</a:t>
+              <a:t>2019/7/24</a:t>
             </a:fld>
             <a:endParaRPr lang="zh-CN" altLang="en-US"/>
           </a:p>
@@ -877,7 +877,7 @@
           <a:p>
             <a:fld id="{11D82F5B-1BA6-42B6-A84E-5D5255035F49}" type="datetimeFigureOut">
               <a:rPr lang="zh-CN" altLang="en-US" smtClean="0"/>
-              <a:t>2019/7/23</a:t>
+              <a:t>2019/7/24</a:t>
             </a:fld>
             <a:endParaRPr lang="zh-CN" altLang="en-US"/>
           </a:p>
@@ -1152,7 +1152,7 @@
           <a:p>
             <a:fld id="{11D82F5B-1BA6-42B6-A84E-5D5255035F49}" type="datetimeFigureOut">
               <a:rPr lang="zh-CN" altLang="en-US" smtClean="0"/>
-              <a:t>2019/7/23</a:t>
+              <a:t>2019/7/24</a:t>
             </a:fld>
             <a:endParaRPr lang="zh-CN" altLang="en-US"/>
           </a:p>
@@ -1417,7 +1417,7 @@
           <a:p>
             <a:fld id="{11D82F5B-1BA6-42B6-A84E-5D5255035F49}" type="datetimeFigureOut">
               <a:rPr lang="zh-CN" altLang="en-US" smtClean="0"/>
-              <a:t>2019/7/23</a:t>
+              <a:t>2019/7/24</a:t>
             </a:fld>
             <a:endParaRPr lang="zh-CN" altLang="en-US"/>
           </a:p>
@@ -1829,7 +1829,7 @@
           <a:p>
             <a:fld id="{11D82F5B-1BA6-42B6-A84E-5D5255035F49}" type="datetimeFigureOut">
               <a:rPr lang="zh-CN" altLang="en-US" smtClean="0"/>
-              <a:t>2019/7/23</a:t>
+              <a:t>2019/7/24</a:t>
             </a:fld>
             <a:endParaRPr lang="zh-CN" altLang="en-US"/>
           </a:p>
@@ -1970,7 +1970,7 @@
           <a:p>
             <a:fld id="{11D82F5B-1BA6-42B6-A84E-5D5255035F49}" type="datetimeFigureOut">
               <a:rPr lang="zh-CN" altLang="en-US" smtClean="0"/>
-              <a:t>2019/7/23</a:t>
+              <a:t>2019/7/24</a:t>
             </a:fld>
             <a:endParaRPr lang="zh-CN" altLang="en-US"/>
           </a:p>
@@ -2083,7 +2083,7 @@
           <a:p>
             <a:fld id="{11D82F5B-1BA6-42B6-A84E-5D5255035F49}" type="datetimeFigureOut">
               <a:rPr lang="zh-CN" altLang="en-US" smtClean="0"/>
-              <a:t>2019/7/23</a:t>
+              <a:t>2019/7/24</a:t>
             </a:fld>
             <a:endParaRPr lang="zh-CN" altLang="en-US"/>
           </a:p>
@@ -2394,7 +2394,7 @@
           <a:p>
             <a:fld id="{11D82F5B-1BA6-42B6-A84E-5D5255035F49}" type="datetimeFigureOut">
               <a:rPr lang="zh-CN" altLang="en-US" smtClean="0"/>
-              <a:t>2019/7/23</a:t>
+              <a:t>2019/7/24</a:t>
             </a:fld>
             <a:endParaRPr lang="zh-CN" altLang="en-US"/>
           </a:p>
@@ -2682,7 +2682,7 @@
           <a:p>
             <a:fld id="{11D82F5B-1BA6-42B6-A84E-5D5255035F49}" type="datetimeFigureOut">
               <a:rPr lang="zh-CN" altLang="en-US" smtClean="0"/>
-              <a:t>2019/7/23</a:t>
+              <a:t>2019/7/24</a:t>
             </a:fld>
             <a:endParaRPr lang="zh-CN" altLang="en-US"/>
           </a:p>
@@ -2929,7 +2929,7 @@
           <a:p>
             <a:fld id="{11D82F5B-1BA6-42B6-A84E-5D5255035F49}" type="datetimeFigureOut">
               <a:rPr lang="zh-CN" altLang="en-US" smtClean="0"/>
-              <a:t>2019/7/23</a:t>
+              <a:t>2019/7/24</a:t>
             </a:fld>
             <a:endParaRPr lang="zh-CN" altLang="en-US"/>
           </a:p>
@@ -6766,7 +6766,7 @@
         </p:nvSpPr>
         <p:spPr>
           <a:xfrm>
-            <a:off x="886408" y="111967"/>
+            <a:off x="563907" y="83681"/>
             <a:ext cx="12874886" cy="6615404"/>
           </a:xfrm>
           <a:prstGeom prst="rect">
@@ -7792,7 +7792,7 @@
         </p:nvSpPr>
         <p:spPr>
           <a:xfrm rot="2035440">
-            <a:off x="3994484" y="3962400"/>
+            <a:off x="5391081" y="2838565"/>
             <a:ext cx="995089" cy="1625397"/>
           </a:xfrm>
           <a:prstGeom prst="rect">
@@ -8347,6 +8347,841 @@
           </a:prstGeom>
         </p:spPr>
       </p:pic>
+      <p:sp>
+        <p:nvSpPr>
+          <p:cNvPr id="36" name="椭圆 35">
+            <a:extLst>
+              <a:ext uri="{FF2B5EF4-FFF2-40B4-BE49-F238E27FC236}">
+                <a16:creationId xmlns:a16="http://schemas.microsoft.com/office/drawing/2014/main" id="{BD6FEB07-7779-48AE-8FB7-EDA78BF8C753}"/>
+              </a:ext>
+            </a:extLst>
+          </p:cNvPr>
+          <p:cNvSpPr/>
+          <p:nvPr/>
+        </p:nvSpPr>
+        <p:spPr>
+          <a:xfrm>
+            <a:off x="3429083" y="2946832"/>
+            <a:ext cx="1028700" cy="1028700"/>
+          </a:xfrm>
+          <a:prstGeom prst="ellipse">
+            <a:avLst/>
+          </a:prstGeom>
+          <a:noFill/>
+          <a:ln w="28575">
+            <a:solidFill>
+              <a:schemeClr val="bg1">
+                <a:lumMod val="95000"/>
+              </a:schemeClr>
+            </a:solidFill>
+          </a:ln>
+        </p:spPr>
+        <p:style>
+          <a:lnRef idx="2">
+            <a:schemeClr val="accent1">
+              <a:shade val="50000"/>
+            </a:schemeClr>
+          </a:lnRef>
+          <a:fillRef idx="1">
+            <a:schemeClr val="accent1"/>
+          </a:fillRef>
+          <a:effectRef idx="0">
+            <a:schemeClr val="accent1"/>
+          </a:effectRef>
+          <a:fontRef idx="minor">
+            <a:schemeClr val="lt1"/>
+          </a:fontRef>
+        </p:style>
+        <p:txBody>
+          <a:bodyPr rtlCol="0" anchor="ctr"/>
+          <a:lstStyle/>
+          <a:p>
+            <a:pPr algn="ctr"/>
+            <a:endParaRPr lang="zh-CN" altLang="en-US"/>
+          </a:p>
+        </p:txBody>
+      </p:sp>
+      <p:cxnSp>
+        <p:nvCxnSpPr>
+          <p:cNvPr id="24" name="直接连接符 23">
+            <a:extLst>
+              <a:ext uri="{FF2B5EF4-FFF2-40B4-BE49-F238E27FC236}">
+                <a16:creationId xmlns:a16="http://schemas.microsoft.com/office/drawing/2014/main" id="{74283233-9184-4EF5-9D3A-69940EBEB660}"/>
+              </a:ext>
+            </a:extLst>
+          </p:cNvPr>
+          <p:cNvCxnSpPr>
+            <a:cxnSpLocks/>
+          </p:cNvCxnSpPr>
+          <p:nvPr/>
+        </p:nvCxnSpPr>
+        <p:spPr>
+          <a:xfrm>
+            <a:off x="3943433" y="2859583"/>
+            <a:ext cx="0" cy="185695"/>
+          </a:xfrm>
+          <a:prstGeom prst="line">
+            <a:avLst/>
+          </a:prstGeom>
+          <a:ln w="28575"/>
+        </p:spPr>
+        <p:style>
+          <a:lnRef idx="1">
+            <a:schemeClr val="accent1"/>
+          </a:lnRef>
+          <a:fillRef idx="0">
+            <a:schemeClr val="accent1"/>
+          </a:fillRef>
+          <a:effectRef idx="0">
+            <a:schemeClr val="accent1"/>
+          </a:effectRef>
+          <a:fontRef idx="minor">
+            <a:schemeClr val="tx1"/>
+          </a:fontRef>
+        </p:style>
+      </p:cxnSp>
+      <p:cxnSp>
+        <p:nvCxnSpPr>
+          <p:cNvPr id="40" name="直接连接符 39">
+            <a:extLst>
+              <a:ext uri="{FF2B5EF4-FFF2-40B4-BE49-F238E27FC236}">
+                <a16:creationId xmlns:a16="http://schemas.microsoft.com/office/drawing/2014/main" id="{277076A2-F2AC-427F-9C55-9BF5D7CEABDE}"/>
+              </a:ext>
+            </a:extLst>
+          </p:cNvPr>
+          <p:cNvCxnSpPr>
+            <a:cxnSpLocks/>
+          </p:cNvCxnSpPr>
+          <p:nvPr/>
+        </p:nvCxnSpPr>
+        <p:spPr>
+          <a:xfrm rot="5400000">
+            <a:off x="4457782" y="3292092"/>
+            <a:ext cx="0" cy="247105"/>
+          </a:xfrm>
+          <a:prstGeom prst="line">
+            <a:avLst/>
+          </a:prstGeom>
+          <a:ln w="28575"/>
+        </p:spPr>
+        <p:style>
+          <a:lnRef idx="1">
+            <a:schemeClr val="accent1"/>
+          </a:lnRef>
+          <a:fillRef idx="0">
+            <a:schemeClr val="accent1"/>
+          </a:fillRef>
+          <a:effectRef idx="0">
+            <a:schemeClr val="accent1"/>
+          </a:effectRef>
+          <a:fontRef idx="minor">
+            <a:schemeClr val="tx1"/>
+          </a:fontRef>
+        </p:style>
+      </p:cxnSp>
+      <p:cxnSp>
+        <p:nvCxnSpPr>
+          <p:cNvPr id="41" name="直接连接符 40">
+            <a:extLst>
+              <a:ext uri="{FF2B5EF4-FFF2-40B4-BE49-F238E27FC236}">
+                <a16:creationId xmlns:a16="http://schemas.microsoft.com/office/drawing/2014/main" id="{065D40A3-81DE-418F-B9E7-444D0B93ED46}"/>
+              </a:ext>
+            </a:extLst>
+          </p:cNvPr>
+          <p:cNvCxnSpPr>
+            <a:cxnSpLocks/>
+          </p:cNvCxnSpPr>
+          <p:nvPr/>
+        </p:nvCxnSpPr>
+        <p:spPr>
+          <a:xfrm rot="5400000">
+            <a:off x="3408722" y="3294563"/>
+            <a:ext cx="0" cy="247105"/>
+          </a:xfrm>
+          <a:prstGeom prst="line">
+            <a:avLst/>
+          </a:prstGeom>
+          <a:ln w="28575"/>
+        </p:spPr>
+        <p:style>
+          <a:lnRef idx="1">
+            <a:schemeClr val="accent1"/>
+          </a:lnRef>
+          <a:fillRef idx="0">
+            <a:schemeClr val="accent1"/>
+          </a:fillRef>
+          <a:effectRef idx="0">
+            <a:schemeClr val="accent1"/>
+          </a:effectRef>
+          <a:fontRef idx="minor">
+            <a:schemeClr val="tx1"/>
+          </a:fontRef>
+        </p:style>
+      </p:cxnSp>
+      <p:cxnSp>
+        <p:nvCxnSpPr>
+          <p:cNvPr id="42" name="直接连接符 41">
+            <a:extLst>
+              <a:ext uri="{FF2B5EF4-FFF2-40B4-BE49-F238E27FC236}">
+                <a16:creationId xmlns:a16="http://schemas.microsoft.com/office/drawing/2014/main" id="{44627373-E66B-4BAF-9758-4BACFB0764A0}"/>
+              </a:ext>
+            </a:extLst>
+          </p:cNvPr>
+          <p:cNvCxnSpPr>
+            <a:cxnSpLocks/>
+          </p:cNvCxnSpPr>
+          <p:nvPr/>
+        </p:nvCxnSpPr>
+        <p:spPr>
+          <a:xfrm>
+            <a:off x="3943433" y="3107094"/>
+            <a:ext cx="0" cy="689299"/>
+          </a:xfrm>
+          <a:prstGeom prst="line">
+            <a:avLst/>
+          </a:prstGeom>
+          <a:ln w="28575"/>
+        </p:spPr>
+        <p:style>
+          <a:lnRef idx="1">
+            <a:schemeClr val="accent1"/>
+          </a:lnRef>
+          <a:fillRef idx="0">
+            <a:schemeClr val="accent1"/>
+          </a:fillRef>
+          <a:effectRef idx="0">
+            <a:schemeClr val="accent1"/>
+          </a:effectRef>
+          <a:fontRef idx="minor">
+            <a:schemeClr val="tx1"/>
+          </a:fontRef>
+        </p:style>
+      </p:cxnSp>
+      <p:cxnSp>
+        <p:nvCxnSpPr>
+          <p:cNvPr id="47" name="直接连接符 46">
+            <a:extLst>
+              <a:ext uri="{FF2B5EF4-FFF2-40B4-BE49-F238E27FC236}">
+                <a16:creationId xmlns:a16="http://schemas.microsoft.com/office/drawing/2014/main" id="{8BEEC214-DC62-44B8-89B7-316FB11F3900}"/>
+              </a:ext>
+            </a:extLst>
+          </p:cNvPr>
+          <p:cNvCxnSpPr>
+            <a:cxnSpLocks/>
+          </p:cNvCxnSpPr>
+          <p:nvPr/>
+        </p:nvCxnSpPr>
+        <p:spPr>
+          <a:xfrm rot="5400000">
+            <a:off x="3933188" y="3100505"/>
+            <a:ext cx="0" cy="644181"/>
+          </a:xfrm>
+          <a:prstGeom prst="line">
+            <a:avLst/>
+          </a:prstGeom>
+          <a:ln w="28575"/>
+        </p:spPr>
+        <p:style>
+          <a:lnRef idx="1">
+            <a:schemeClr val="accent1"/>
+          </a:lnRef>
+          <a:fillRef idx="0">
+            <a:schemeClr val="accent1"/>
+          </a:fillRef>
+          <a:effectRef idx="0">
+            <a:schemeClr val="accent1"/>
+          </a:effectRef>
+          <a:fontRef idx="minor">
+            <a:schemeClr val="tx1"/>
+          </a:fontRef>
+        </p:style>
+      </p:cxnSp>
+      <p:cxnSp>
+        <p:nvCxnSpPr>
+          <p:cNvPr id="51" name="直接连接符 50">
+            <a:extLst>
+              <a:ext uri="{FF2B5EF4-FFF2-40B4-BE49-F238E27FC236}">
+                <a16:creationId xmlns:a16="http://schemas.microsoft.com/office/drawing/2014/main" id="{2132BFC8-65AC-48F3-ADAD-8DB9E4AD7305}"/>
+              </a:ext>
+            </a:extLst>
+          </p:cNvPr>
+          <p:cNvCxnSpPr>
+            <a:cxnSpLocks/>
+          </p:cNvCxnSpPr>
+          <p:nvPr/>
+        </p:nvCxnSpPr>
+        <p:spPr>
+          <a:xfrm>
+            <a:off x="3943433" y="3879711"/>
+            <a:ext cx="0" cy="185695"/>
+          </a:xfrm>
+          <a:prstGeom prst="line">
+            <a:avLst/>
+          </a:prstGeom>
+          <a:ln w="28575"/>
+        </p:spPr>
+        <p:style>
+          <a:lnRef idx="1">
+            <a:schemeClr val="accent1"/>
+          </a:lnRef>
+          <a:fillRef idx="0">
+            <a:schemeClr val="accent1"/>
+          </a:fillRef>
+          <a:effectRef idx="0">
+            <a:schemeClr val="accent1"/>
+          </a:effectRef>
+          <a:fontRef idx="minor">
+            <a:schemeClr val="tx1"/>
+          </a:fontRef>
+        </p:style>
+      </p:cxnSp>
+      <p:grpSp>
+        <p:nvGrpSpPr>
+          <p:cNvPr id="68" name="组合 67">
+            <a:extLst>
+              <a:ext uri="{FF2B5EF4-FFF2-40B4-BE49-F238E27FC236}">
+                <a16:creationId xmlns:a16="http://schemas.microsoft.com/office/drawing/2014/main" id="{1AB2060D-4E9B-4C83-8AE1-FFF8785AD7D6}"/>
+              </a:ext>
+            </a:extLst>
+          </p:cNvPr>
+          <p:cNvGrpSpPr/>
+          <p:nvPr/>
+        </p:nvGrpSpPr>
+        <p:grpSpPr>
+          <a:xfrm>
+            <a:off x="3902515" y="5002619"/>
+            <a:ext cx="899305" cy="893398"/>
+            <a:chOff x="3574581" y="4676838"/>
+            <a:chExt cx="1227240" cy="1219179"/>
+          </a:xfrm>
+        </p:grpSpPr>
+        <p:sp>
+          <p:nvSpPr>
+            <p:cNvPr id="53" name="椭圆 52">
+              <a:extLst>
+                <a:ext uri="{FF2B5EF4-FFF2-40B4-BE49-F238E27FC236}">
+                  <a16:creationId xmlns:a16="http://schemas.microsoft.com/office/drawing/2014/main" id="{A6446BAB-266A-4C76-B835-F6F7CC587D3F}"/>
+                </a:ext>
+              </a:extLst>
+            </p:cNvPr>
+            <p:cNvSpPr/>
+            <p:nvPr/>
+          </p:nvSpPr>
+          <p:spPr>
+            <a:xfrm>
+              <a:off x="3670605" y="4767284"/>
+              <a:ext cx="1028700" cy="1028700"/>
+            </a:xfrm>
+            <a:prstGeom prst="ellipse">
+              <a:avLst/>
+            </a:prstGeom>
+            <a:noFill/>
+            <a:ln w="28575">
+              <a:solidFill>
+                <a:schemeClr val="bg1">
+                  <a:lumMod val="95000"/>
+                </a:schemeClr>
+              </a:solidFill>
+            </a:ln>
+          </p:spPr>
+          <p:style>
+            <a:lnRef idx="2">
+              <a:schemeClr val="accent1">
+                <a:shade val="50000"/>
+              </a:schemeClr>
+            </a:lnRef>
+            <a:fillRef idx="1">
+              <a:schemeClr val="accent1"/>
+            </a:fillRef>
+            <a:effectRef idx="0">
+              <a:schemeClr val="accent1"/>
+            </a:effectRef>
+            <a:fontRef idx="minor">
+              <a:schemeClr val="lt1"/>
+            </a:fontRef>
+          </p:style>
+          <p:txBody>
+            <a:bodyPr rtlCol="0" anchor="ctr"/>
+            <a:lstStyle/>
+            <a:p>
+              <a:pPr algn="ctr"/>
+              <a:endParaRPr lang="zh-CN" altLang="en-US"/>
+            </a:p>
+          </p:txBody>
+        </p:sp>
+        <p:cxnSp>
+          <p:nvCxnSpPr>
+            <p:cNvPr id="55" name="直接连接符 54">
+              <a:extLst>
+                <a:ext uri="{FF2B5EF4-FFF2-40B4-BE49-F238E27FC236}">
+                  <a16:creationId xmlns:a16="http://schemas.microsoft.com/office/drawing/2014/main" id="{65FF5AB4-C89F-4868-A349-BC7565A48F84}"/>
+                </a:ext>
+              </a:extLst>
+            </p:cNvPr>
+            <p:cNvCxnSpPr>
+              <a:stCxn id="53" idx="2"/>
+              <a:endCxn id="53" idx="6"/>
+            </p:cNvCxnSpPr>
+            <p:nvPr/>
+          </p:nvCxnSpPr>
+          <p:spPr>
+            <a:xfrm>
+              <a:off x="3670605" y="5281634"/>
+              <a:ext cx="1028700" cy="0"/>
+            </a:xfrm>
+            <a:prstGeom prst="line">
+              <a:avLst/>
+            </a:prstGeom>
+          </p:spPr>
+          <p:style>
+            <a:lnRef idx="1">
+              <a:schemeClr val="accent1"/>
+            </a:lnRef>
+            <a:fillRef idx="0">
+              <a:schemeClr val="accent1"/>
+            </a:fillRef>
+            <a:effectRef idx="0">
+              <a:schemeClr val="accent1"/>
+            </a:effectRef>
+            <a:fontRef idx="minor">
+              <a:schemeClr val="tx1"/>
+            </a:fontRef>
+          </p:style>
+        </p:cxnSp>
+        <p:cxnSp>
+          <p:nvCxnSpPr>
+            <p:cNvPr id="57" name="直接连接符 56">
+              <a:extLst>
+                <a:ext uri="{FF2B5EF4-FFF2-40B4-BE49-F238E27FC236}">
+                  <a16:creationId xmlns:a16="http://schemas.microsoft.com/office/drawing/2014/main" id="{6DB7E3AF-E132-4309-89D7-16F6040B2CB5}"/>
+                </a:ext>
+              </a:extLst>
+            </p:cNvPr>
+            <p:cNvCxnSpPr>
+              <a:stCxn id="53" idx="0"/>
+              <a:endCxn id="53" idx="4"/>
+            </p:cNvCxnSpPr>
+            <p:nvPr/>
+          </p:nvCxnSpPr>
+          <p:spPr>
+            <a:xfrm>
+              <a:off x="4184955" y="4767284"/>
+              <a:ext cx="0" cy="1028700"/>
+            </a:xfrm>
+            <a:prstGeom prst="line">
+              <a:avLst/>
+            </a:prstGeom>
+          </p:spPr>
+          <p:style>
+            <a:lnRef idx="1">
+              <a:schemeClr val="accent1"/>
+            </a:lnRef>
+            <a:fillRef idx="0">
+              <a:schemeClr val="accent1"/>
+            </a:fillRef>
+            <a:effectRef idx="0">
+              <a:schemeClr val="accent1"/>
+            </a:effectRef>
+            <a:fontRef idx="minor">
+              <a:schemeClr val="tx1"/>
+            </a:fontRef>
+          </p:style>
+        </p:cxnSp>
+        <p:cxnSp>
+          <p:nvCxnSpPr>
+            <p:cNvPr id="58" name="直接连接符 57">
+              <a:extLst>
+                <a:ext uri="{FF2B5EF4-FFF2-40B4-BE49-F238E27FC236}">
+                  <a16:creationId xmlns:a16="http://schemas.microsoft.com/office/drawing/2014/main" id="{C9D2BC91-5967-4BEC-A2AB-490EB114D8D2}"/>
+                </a:ext>
+              </a:extLst>
+            </p:cNvPr>
+            <p:cNvCxnSpPr>
+              <a:cxnSpLocks/>
+            </p:cNvCxnSpPr>
+            <p:nvPr/>
+          </p:nvCxnSpPr>
+          <p:spPr>
+            <a:xfrm>
+              <a:off x="4184955" y="4676838"/>
+              <a:ext cx="0" cy="185695"/>
+            </a:xfrm>
+            <a:prstGeom prst="line">
+              <a:avLst/>
+            </a:prstGeom>
+            <a:ln w="28575">
+              <a:solidFill>
+                <a:schemeClr val="bg1">
+                  <a:lumMod val="95000"/>
+                </a:schemeClr>
+              </a:solidFill>
+            </a:ln>
+          </p:spPr>
+          <p:style>
+            <a:lnRef idx="1">
+              <a:schemeClr val="accent1"/>
+            </a:lnRef>
+            <a:fillRef idx="0">
+              <a:schemeClr val="accent1"/>
+            </a:fillRef>
+            <a:effectRef idx="0">
+              <a:schemeClr val="accent1"/>
+            </a:effectRef>
+            <a:fontRef idx="minor">
+              <a:schemeClr val="tx1"/>
+            </a:fontRef>
+          </p:style>
+        </p:cxnSp>
+        <p:cxnSp>
+          <p:nvCxnSpPr>
+            <p:cNvPr id="59" name="直接连接符 58">
+              <a:extLst>
+                <a:ext uri="{FF2B5EF4-FFF2-40B4-BE49-F238E27FC236}">
+                  <a16:creationId xmlns:a16="http://schemas.microsoft.com/office/drawing/2014/main" id="{7378B52E-CA4A-4115-B8E5-9D38E18A5C22}"/>
+                </a:ext>
+              </a:extLst>
+            </p:cNvPr>
+            <p:cNvCxnSpPr>
+              <a:cxnSpLocks/>
+            </p:cNvCxnSpPr>
+            <p:nvPr/>
+          </p:nvCxnSpPr>
+          <p:spPr>
+            <a:xfrm>
+              <a:off x="4193119" y="5710322"/>
+              <a:ext cx="0" cy="185695"/>
+            </a:xfrm>
+            <a:prstGeom prst="line">
+              <a:avLst/>
+            </a:prstGeom>
+            <a:ln w="28575">
+              <a:solidFill>
+                <a:schemeClr val="bg1">
+                  <a:lumMod val="95000"/>
+                </a:schemeClr>
+              </a:solidFill>
+            </a:ln>
+          </p:spPr>
+          <p:style>
+            <a:lnRef idx="1">
+              <a:schemeClr val="accent1"/>
+            </a:lnRef>
+            <a:fillRef idx="0">
+              <a:schemeClr val="accent1"/>
+            </a:fillRef>
+            <a:effectRef idx="0">
+              <a:schemeClr val="accent1"/>
+            </a:effectRef>
+            <a:fontRef idx="minor">
+              <a:schemeClr val="tx1"/>
+            </a:fontRef>
+          </p:style>
+        </p:cxnSp>
+        <p:cxnSp>
+          <p:nvCxnSpPr>
+            <p:cNvPr id="60" name="直接连接符 59">
+              <a:extLst>
+                <a:ext uri="{FF2B5EF4-FFF2-40B4-BE49-F238E27FC236}">
+                  <a16:creationId xmlns:a16="http://schemas.microsoft.com/office/drawing/2014/main" id="{2C6C1C82-2EA8-48BE-88AC-10904F98D018}"/>
+                </a:ext>
+              </a:extLst>
+            </p:cNvPr>
+            <p:cNvCxnSpPr>
+              <a:cxnSpLocks/>
+            </p:cNvCxnSpPr>
+            <p:nvPr/>
+          </p:nvCxnSpPr>
+          <p:spPr>
+            <a:xfrm>
+              <a:off x="4184955" y="4936985"/>
+              <a:ext cx="0" cy="689299"/>
+            </a:xfrm>
+            <a:prstGeom prst="line">
+              <a:avLst/>
+            </a:prstGeom>
+            <a:ln w="28575">
+              <a:solidFill>
+                <a:srgbClr val="36CAA4"/>
+              </a:solidFill>
+            </a:ln>
+          </p:spPr>
+          <p:style>
+            <a:lnRef idx="1">
+              <a:schemeClr val="accent1"/>
+            </a:lnRef>
+            <a:fillRef idx="0">
+              <a:schemeClr val="accent1"/>
+            </a:fillRef>
+            <a:effectRef idx="0">
+              <a:schemeClr val="accent1"/>
+            </a:effectRef>
+            <a:fontRef idx="minor">
+              <a:schemeClr val="tx1"/>
+            </a:fontRef>
+          </p:style>
+        </p:cxnSp>
+        <p:cxnSp>
+          <p:nvCxnSpPr>
+            <p:cNvPr id="61" name="直接连接符 60">
+              <a:extLst>
+                <a:ext uri="{FF2B5EF4-FFF2-40B4-BE49-F238E27FC236}">
+                  <a16:creationId xmlns:a16="http://schemas.microsoft.com/office/drawing/2014/main" id="{45728921-3163-4EEF-9F97-1D2AEA59FA93}"/>
+                </a:ext>
+              </a:extLst>
+            </p:cNvPr>
+            <p:cNvCxnSpPr>
+              <a:cxnSpLocks/>
+            </p:cNvCxnSpPr>
+            <p:nvPr/>
+          </p:nvCxnSpPr>
+          <p:spPr>
+            <a:xfrm rot="5400000">
+              <a:off x="4184955" y="4934263"/>
+              <a:ext cx="0" cy="689299"/>
+            </a:xfrm>
+            <a:prstGeom prst="line">
+              <a:avLst/>
+            </a:prstGeom>
+            <a:ln w="28575">
+              <a:solidFill>
+                <a:srgbClr val="36CAA4"/>
+              </a:solidFill>
+            </a:ln>
+          </p:spPr>
+          <p:style>
+            <a:lnRef idx="1">
+              <a:schemeClr val="accent1"/>
+            </a:lnRef>
+            <a:fillRef idx="0">
+              <a:schemeClr val="accent1"/>
+            </a:fillRef>
+            <a:effectRef idx="0">
+              <a:schemeClr val="accent1"/>
+            </a:effectRef>
+            <a:fontRef idx="minor">
+              <a:schemeClr val="tx1"/>
+            </a:fontRef>
+          </p:style>
+        </p:cxnSp>
+        <p:cxnSp>
+          <p:nvCxnSpPr>
+            <p:cNvPr id="62" name="直接连接符 61">
+              <a:extLst>
+                <a:ext uri="{FF2B5EF4-FFF2-40B4-BE49-F238E27FC236}">
+                  <a16:creationId xmlns:a16="http://schemas.microsoft.com/office/drawing/2014/main" id="{DFFBAE1E-4CEB-4DCB-965B-8309860F9224}"/>
+                </a:ext>
+              </a:extLst>
+            </p:cNvPr>
+            <p:cNvCxnSpPr>
+              <a:cxnSpLocks/>
+            </p:cNvCxnSpPr>
+            <p:nvPr/>
+          </p:nvCxnSpPr>
+          <p:spPr>
+            <a:xfrm rot="5400000">
+              <a:off x="3667429" y="5191508"/>
+              <a:ext cx="0" cy="185695"/>
+            </a:xfrm>
+            <a:prstGeom prst="line">
+              <a:avLst/>
+            </a:prstGeom>
+            <a:ln w="28575">
+              <a:solidFill>
+                <a:schemeClr val="bg1">
+                  <a:lumMod val="95000"/>
+                </a:schemeClr>
+              </a:solidFill>
+            </a:ln>
+          </p:spPr>
+          <p:style>
+            <a:lnRef idx="1">
+              <a:schemeClr val="accent1"/>
+            </a:lnRef>
+            <a:fillRef idx="0">
+              <a:schemeClr val="accent1"/>
+            </a:fillRef>
+            <a:effectRef idx="0">
+              <a:schemeClr val="accent1"/>
+            </a:effectRef>
+            <a:fontRef idx="minor">
+              <a:schemeClr val="tx1"/>
+            </a:fontRef>
+          </p:style>
+        </p:cxnSp>
+        <p:cxnSp>
+          <p:nvCxnSpPr>
+            <p:cNvPr id="63" name="直接连接符 62">
+              <a:extLst>
+                <a:ext uri="{FF2B5EF4-FFF2-40B4-BE49-F238E27FC236}">
+                  <a16:creationId xmlns:a16="http://schemas.microsoft.com/office/drawing/2014/main" id="{AFF7B34B-ECD7-40C6-B192-1B1E9B9C4210}"/>
+                </a:ext>
+              </a:extLst>
+            </p:cNvPr>
+            <p:cNvCxnSpPr>
+              <a:cxnSpLocks/>
+            </p:cNvCxnSpPr>
+            <p:nvPr/>
+          </p:nvCxnSpPr>
+          <p:spPr>
+            <a:xfrm rot="5400000">
+              <a:off x="4708974" y="5191508"/>
+              <a:ext cx="0" cy="185695"/>
+            </a:xfrm>
+            <a:prstGeom prst="line">
+              <a:avLst/>
+            </a:prstGeom>
+            <a:ln w="28575">
+              <a:solidFill>
+                <a:schemeClr val="bg1">
+                  <a:lumMod val="95000"/>
+                </a:schemeClr>
+              </a:solidFill>
+            </a:ln>
+          </p:spPr>
+          <p:style>
+            <a:lnRef idx="1">
+              <a:schemeClr val="accent1"/>
+            </a:lnRef>
+            <a:fillRef idx="0">
+              <a:schemeClr val="accent1"/>
+            </a:fillRef>
+            <a:effectRef idx="0">
+              <a:schemeClr val="accent1"/>
+            </a:effectRef>
+            <a:fontRef idx="minor">
+              <a:schemeClr val="tx1"/>
+            </a:fontRef>
+          </p:style>
+        </p:cxnSp>
+      </p:grpSp>
+      <p:pic>
+        <p:nvPicPr>
+          <p:cNvPr id="65" name="图片 64">
+            <a:extLst>
+              <a:ext uri="{FF2B5EF4-FFF2-40B4-BE49-F238E27FC236}">
+                <a16:creationId xmlns:a16="http://schemas.microsoft.com/office/drawing/2014/main" id="{F23D2A93-198E-4DFC-B7BE-C5EE4C6AAAA6}"/>
+              </a:ext>
+            </a:extLst>
+          </p:cNvPr>
+          <p:cNvPicPr>
+            <a:picLocks noChangeAspect="1"/>
+          </p:cNvPicPr>
+          <p:nvPr/>
+        </p:nvPicPr>
+        <p:blipFill>
+          <a:blip r:embed="rId13">
+            <a:extLst>
+              <a:ext uri="{28A0092B-C50C-407E-A947-70E740481C1C}">
+                <a14:useLocalDpi xmlns:a14="http://schemas.microsoft.com/office/drawing/2010/main" val="0"/>
+              </a:ext>
+            </a:extLst>
+          </a:blip>
+          <a:stretch>
+            <a:fillRect/>
+          </a:stretch>
+        </p:blipFill>
+        <p:spPr>
+          <a:xfrm>
+            <a:off x="5179160" y="4659406"/>
+            <a:ext cx="1905000" cy="1905000"/>
+          </a:xfrm>
+          <a:prstGeom prst="rect">
+            <a:avLst/>
+          </a:prstGeom>
+        </p:spPr>
+      </p:pic>
+      <p:grpSp>
+        <p:nvGrpSpPr>
+          <p:cNvPr id="70" name="组合 69">
+            <a:extLst>
+              <a:ext uri="{FF2B5EF4-FFF2-40B4-BE49-F238E27FC236}">
+                <a16:creationId xmlns:a16="http://schemas.microsoft.com/office/drawing/2014/main" id="{90840FC6-5AE8-4642-9173-BE8B64D7E510}"/>
+              </a:ext>
+            </a:extLst>
+          </p:cNvPr>
+          <p:cNvGrpSpPr/>
+          <p:nvPr/>
+        </p:nvGrpSpPr>
+        <p:grpSpPr>
+          <a:xfrm>
+            <a:off x="9375419" y="1804140"/>
+            <a:ext cx="826451" cy="811179"/>
+            <a:chOff x="10136473" y="4654036"/>
+            <a:chExt cx="2057928" cy="2019899"/>
+          </a:xfrm>
+        </p:grpSpPr>
+        <p:pic>
+          <p:nvPicPr>
+            <p:cNvPr id="67" name="图片 66">
+              <a:extLst>
+                <a:ext uri="{FF2B5EF4-FFF2-40B4-BE49-F238E27FC236}">
+                  <a16:creationId xmlns:a16="http://schemas.microsoft.com/office/drawing/2014/main" id="{6CAAA749-5917-4FCF-8157-61F89EE3BFAD}"/>
+                </a:ext>
+              </a:extLst>
+            </p:cNvPr>
+            <p:cNvPicPr>
+              <a:picLocks noChangeAspect="1"/>
+            </p:cNvPicPr>
+            <p:nvPr/>
+          </p:nvPicPr>
+          <p:blipFill>
+            <a:blip r:embed="rId14">
+              <a:extLst>
+                <a:ext uri="{28A0092B-C50C-407E-A947-70E740481C1C}">
+                  <a14:useLocalDpi xmlns:a14="http://schemas.microsoft.com/office/drawing/2010/main" val="0"/>
+                </a:ext>
+              </a:extLst>
+            </a:blip>
+            <a:stretch>
+              <a:fillRect/>
+            </a:stretch>
+          </p:blipFill>
+          <p:spPr>
+            <a:xfrm>
+              <a:off x="10612214" y="5064760"/>
+              <a:ext cx="1163357" cy="1163357"/>
+            </a:xfrm>
+            <a:prstGeom prst="rect">
+              <a:avLst/>
+            </a:prstGeom>
+          </p:spPr>
+        </p:pic>
+        <p:pic>
+          <p:nvPicPr>
+            <p:cNvPr id="69" name="图片 68">
+              <a:extLst>
+                <a:ext uri="{FF2B5EF4-FFF2-40B4-BE49-F238E27FC236}">
+                  <a16:creationId xmlns:a16="http://schemas.microsoft.com/office/drawing/2014/main" id="{17635EA5-A85E-436B-9C7A-50902875461A}"/>
+                </a:ext>
+              </a:extLst>
+            </p:cNvPr>
+            <p:cNvPicPr>
+              <a:picLocks noChangeAspect="1"/>
+            </p:cNvPicPr>
+            <p:nvPr/>
+          </p:nvPicPr>
+          <p:blipFill rotWithShape="1">
+            <a:blip r:embed="rId9">
+              <a:extLst>
+                <a:ext uri="{28A0092B-C50C-407E-A947-70E740481C1C}">
+                  <a14:useLocalDpi xmlns:a14="http://schemas.microsoft.com/office/drawing/2010/main" val="0"/>
+                </a:ext>
+              </a:extLst>
+            </a:blip>
+            <a:srcRect l="16407" t="15644" r="18123" b="20095"/>
+            <a:stretch/>
+          </p:blipFill>
+          <p:spPr>
+            <a:xfrm>
+              <a:off x="10136473" y="4654036"/>
+              <a:ext cx="2057928" cy="2019899"/>
+            </a:xfrm>
+            <a:prstGeom prst="rect">
+              <a:avLst/>
+            </a:prstGeom>
+          </p:spPr>
+        </p:pic>
+      </p:grpSp>
     </p:spTree>
     <p:extLst>
       <p:ext uri="{BB962C8B-B14F-4D97-AF65-F5344CB8AC3E}">

--- a/演示文稿1.pptx
+++ b/演示文稿1.pptx
@@ -9,6 +9,7 @@
     <p:sldId id="257" r:id="rId3"/>
     <p:sldId id="258" r:id="rId4"/>
     <p:sldId id="259" r:id="rId5"/>
+    <p:sldId id="260" r:id="rId6"/>
   </p:sldIdLst>
   <p:sldSz cx="12192000" cy="6858000"/>
   <p:notesSz cx="6858000" cy="9144000"/>
@@ -9182,10 +9183,250 @@
           </p:spPr>
         </p:pic>
       </p:grpSp>
+      <p:pic>
+        <p:nvPicPr>
+          <p:cNvPr id="39" name="图片 38">
+            <a:extLst>
+              <a:ext uri="{FF2B5EF4-FFF2-40B4-BE49-F238E27FC236}">
+                <a16:creationId xmlns:a16="http://schemas.microsoft.com/office/drawing/2014/main" id="{6B8EED91-694C-44E6-B1A8-5BC9D6AF0459}"/>
+              </a:ext>
+            </a:extLst>
+          </p:cNvPr>
+          <p:cNvPicPr>
+            <a:picLocks noChangeAspect="1"/>
+          </p:cNvPicPr>
+          <p:nvPr/>
+        </p:nvPicPr>
+        <p:blipFill>
+          <a:blip r:embed="rId15">
+            <a:extLst>
+              <a:ext uri="{28A0092B-C50C-407E-A947-70E740481C1C}">
+                <a14:useLocalDpi xmlns:a14="http://schemas.microsoft.com/office/drawing/2010/main" val="0"/>
+              </a:ext>
+            </a:extLst>
+          </a:blip>
+          <a:stretch>
+            <a:fillRect/>
+          </a:stretch>
+        </p:blipFill>
+        <p:spPr>
+          <a:xfrm>
+            <a:off x="11646999" y="1180956"/>
+            <a:ext cx="933594" cy="933594"/>
+          </a:xfrm>
+          <a:prstGeom prst="rect">
+            <a:avLst/>
+          </a:prstGeom>
+        </p:spPr>
+      </p:pic>
     </p:spTree>
     <p:extLst>
       <p:ext uri="{BB962C8B-B14F-4D97-AF65-F5344CB8AC3E}">
         <p14:creationId xmlns:p14="http://schemas.microsoft.com/office/powerpoint/2010/main" val="2758448110"/>
+      </p:ext>
+    </p:extLst>
+  </p:cSld>
+  <p:clrMapOvr>
+    <a:masterClrMapping/>
+  </p:clrMapOvr>
+</p:sld>
+</file>
+
+<file path=ppt/slides/slide5.xml><?xml version="1.0" encoding="utf-8"?>
+<p:sld xmlns:a="http://schemas.openxmlformats.org/drawingml/2006/main" xmlns:r="http://schemas.openxmlformats.org/officeDocument/2006/relationships" xmlns:p="http://schemas.openxmlformats.org/presentationml/2006/main">
+  <p:cSld>
+    <p:spTree>
+      <p:nvGrpSpPr>
+        <p:cNvPr id="1" name=""/>
+        <p:cNvGrpSpPr/>
+        <p:nvPr/>
+      </p:nvGrpSpPr>
+      <p:grpSpPr>
+        <a:xfrm>
+          <a:off x="0" y="0"/>
+          <a:ext cx="0" cy="0"/>
+          <a:chOff x="0" y="0"/>
+          <a:chExt cx="0" cy="0"/>
+        </a:xfrm>
+      </p:grpSpPr>
+      <p:sp>
+        <p:nvSpPr>
+          <p:cNvPr id="4" name="矩形 3">
+            <a:extLst>
+              <a:ext uri="{FF2B5EF4-FFF2-40B4-BE49-F238E27FC236}">
+                <a16:creationId xmlns:a16="http://schemas.microsoft.com/office/drawing/2014/main" id="{AFB5D42D-26B5-473F-A733-E964AAA12EE1}"/>
+              </a:ext>
+            </a:extLst>
+          </p:cNvPr>
+          <p:cNvSpPr/>
+          <p:nvPr/>
+        </p:nvSpPr>
+        <p:spPr>
+          <a:xfrm>
+            <a:off x="563907" y="83681"/>
+            <a:ext cx="12874886" cy="6615404"/>
+          </a:xfrm>
+          <a:prstGeom prst="rect">
+            <a:avLst/>
+          </a:prstGeom>
+        </p:spPr>
+        <p:style>
+          <a:lnRef idx="2">
+            <a:schemeClr val="dk1">
+              <a:shade val="50000"/>
+            </a:schemeClr>
+          </a:lnRef>
+          <a:fillRef idx="1">
+            <a:schemeClr val="dk1"/>
+          </a:fillRef>
+          <a:effectRef idx="0">
+            <a:schemeClr val="dk1"/>
+          </a:effectRef>
+          <a:fontRef idx="minor">
+            <a:schemeClr val="lt1"/>
+          </a:fontRef>
+        </p:style>
+        <p:txBody>
+          <a:bodyPr rtlCol="0" anchor="ctr"/>
+          <a:lstStyle/>
+          <a:p>
+            <a:pPr algn="ctr"/>
+            <a:endParaRPr lang="zh-CN" altLang="en-US"/>
+          </a:p>
+        </p:txBody>
+      </p:sp>
+      <p:grpSp>
+        <p:nvGrpSpPr>
+          <p:cNvPr id="9" name="组合 8">
+            <a:extLst>
+              <a:ext uri="{FF2B5EF4-FFF2-40B4-BE49-F238E27FC236}">
+                <a16:creationId xmlns:a16="http://schemas.microsoft.com/office/drawing/2014/main" id="{977AE0DA-AA08-4EEF-8FA5-0EC6109A93D2}"/>
+              </a:ext>
+            </a:extLst>
+          </p:cNvPr>
+          <p:cNvGrpSpPr/>
+          <p:nvPr/>
+        </p:nvGrpSpPr>
+        <p:grpSpPr>
+          <a:xfrm>
+            <a:off x="4712874" y="2264647"/>
+            <a:ext cx="728785" cy="715317"/>
+            <a:chOff x="4712874" y="2264646"/>
+            <a:chExt cx="2057928" cy="2019899"/>
+          </a:xfrm>
+        </p:grpSpPr>
+        <p:pic>
+          <p:nvPicPr>
+            <p:cNvPr id="5" name="图片 4">
+              <a:extLst>
+                <a:ext uri="{FF2B5EF4-FFF2-40B4-BE49-F238E27FC236}">
+                  <a16:creationId xmlns:a16="http://schemas.microsoft.com/office/drawing/2014/main" id="{C1D8145F-5D44-4D2C-9965-6CDBB7228BDA}"/>
+                </a:ext>
+              </a:extLst>
+            </p:cNvPr>
+            <p:cNvPicPr>
+              <a:picLocks noChangeAspect="1"/>
+            </p:cNvPicPr>
+            <p:nvPr/>
+          </p:nvPicPr>
+          <p:blipFill rotWithShape="1">
+            <a:blip r:embed="rId2">
+              <a:extLst>
+                <a:ext uri="{28A0092B-C50C-407E-A947-70E740481C1C}">
+                  <a14:useLocalDpi xmlns:a14="http://schemas.microsoft.com/office/drawing/2010/main" val="0"/>
+                </a:ext>
+              </a:extLst>
+            </a:blip>
+            <a:srcRect l="16407" t="15644" r="18123" b="20095"/>
+            <a:stretch/>
+          </p:blipFill>
+          <p:spPr>
+            <a:xfrm>
+              <a:off x="4712874" y="2264646"/>
+              <a:ext cx="2057928" cy="2019899"/>
+            </a:xfrm>
+            <a:prstGeom prst="rect">
+              <a:avLst/>
+            </a:prstGeom>
+          </p:spPr>
+        </p:pic>
+        <p:pic>
+          <p:nvPicPr>
+            <p:cNvPr id="8" name="图片 7">
+              <a:extLst>
+                <a:ext uri="{FF2B5EF4-FFF2-40B4-BE49-F238E27FC236}">
+                  <a16:creationId xmlns:a16="http://schemas.microsoft.com/office/drawing/2014/main" id="{5A654302-2D46-4F62-994A-234A5A8AFD85}"/>
+                </a:ext>
+              </a:extLst>
+            </p:cNvPr>
+            <p:cNvPicPr>
+              <a:picLocks noChangeAspect="1"/>
+            </p:cNvPicPr>
+            <p:nvPr/>
+          </p:nvPicPr>
+          <p:blipFill>
+            <a:blip r:embed="rId3">
+              <a:extLst>
+                <a:ext uri="{28A0092B-C50C-407E-A947-70E740481C1C}">
+                  <a14:useLocalDpi xmlns:a14="http://schemas.microsoft.com/office/drawing/2010/main" val="0"/>
+                </a:ext>
+              </a:extLst>
+            </a:blip>
+            <a:stretch>
+              <a:fillRect/>
+            </a:stretch>
+          </p:blipFill>
+          <p:spPr>
+            <a:xfrm>
+              <a:off x="5276907" y="2680666"/>
+              <a:ext cx="1156549" cy="1156549"/>
+            </a:xfrm>
+            <a:prstGeom prst="rect">
+              <a:avLst/>
+            </a:prstGeom>
+          </p:spPr>
+        </p:pic>
+      </p:grpSp>
+      <p:pic>
+        <p:nvPicPr>
+          <p:cNvPr id="11" name="图片 10">
+            <a:extLst>
+              <a:ext uri="{FF2B5EF4-FFF2-40B4-BE49-F238E27FC236}">
+                <a16:creationId xmlns:a16="http://schemas.microsoft.com/office/drawing/2014/main" id="{11FCDF0C-3BBA-4A06-A24B-C719AA3D6501}"/>
+              </a:ext>
+            </a:extLst>
+          </p:cNvPr>
+          <p:cNvPicPr>
+            <a:picLocks noChangeAspect="1"/>
+          </p:cNvPicPr>
+          <p:nvPr/>
+        </p:nvPicPr>
+        <p:blipFill>
+          <a:blip r:embed="rId4">
+            <a:extLst>
+              <a:ext uri="{28A0092B-C50C-407E-A947-70E740481C1C}">
+                <a14:useLocalDpi xmlns:a14="http://schemas.microsoft.com/office/drawing/2010/main" val="0"/>
+              </a:ext>
+            </a:extLst>
+          </a:blip>
+          <a:stretch>
+            <a:fillRect/>
+          </a:stretch>
+        </p:blipFill>
+        <p:spPr>
+          <a:xfrm rot="-2700000">
+            <a:off x="6977655" y="2933578"/>
+            <a:ext cx="354030" cy="354030"/>
+          </a:xfrm>
+          <a:prstGeom prst="rect">
+            <a:avLst/>
+          </a:prstGeom>
+        </p:spPr>
+      </p:pic>
+    </p:spTree>
+    <p:extLst>
+      <p:ext uri="{BB962C8B-B14F-4D97-AF65-F5344CB8AC3E}">
+        <p14:creationId xmlns:p14="http://schemas.microsoft.com/office/powerpoint/2010/main" val="2071807745"/>
       </p:ext>
     </p:extLst>
   </p:cSld>

--- a/演示文稿1.pptx
+++ b/演示文稿1.pptx
@@ -274,7 +274,7 @@
           <a:p>
             <a:fld id="{11D82F5B-1BA6-42B6-A84E-5D5255035F49}" type="datetimeFigureOut">
               <a:rPr lang="zh-CN" altLang="en-US" smtClean="0"/>
-              <a:t>2019/7/24</a:t>
+              <a:t>2019/7/25</a:t>
             </a:fld>
             <a:endParaRPr lang="zh-CN" altLang="en-US"/>
           </a:p>
@@ -472,7 +472,7 @@
           <a:p>
             <a:fld id="{11D82F5B-1BA6-42B6-A84E-5D5255035F49}" type="datetimeFigureOut">
               <a:rPr lang="zh-CN" altLang="en-US" smtClean="0"/>
-              <a:t>2019/7/24</a:t>
+              <a:t>2019/7/25</a:t>
             </a:fld>
             <a:endParaRPr lang="zh-CN" altLang="en-US"/>
           </a:p>
@@ -680,7 +680,7 @@
           <a:p>
             <a:fld id="{11D82F5B-1BA6-42B6-A84E-5D5255035F49}" type="datetimeFigureOut">
               <a:rPr lang="zh-CN" altLang="en-US" smtClean="0"/>
-              <a:t>2019/7/24</a:t>
+              <a:t>2019/7/25</a:t>
             </a:fld>
             <a:endParaRPr lang="zh-CN" altLang="en-US"/>
           </a:p>
@@ -878,7 +878,7 @@
           <a:p>
             <a:fld id="{11D82F5B-1BA6-42B6-A84E-5D5255035F49}" type="datetimeFigureOut">
               <a:rPr lang="zh-CN" altLang="en-US" smtClean="0"/>
-              <a:t>2019/7/24</a:t>
+              <a:t>2019/7/25</a:t>
             </a:fld>
             <a:endParaRPr lang="zh-CN" altLang="en-US"/>
           </a:p>
@@ -1153,7 +1153,7 @@
           <a:p>
             <a:fld id="{11D82F5B-1BA6-42B6-A84E-5D5255035F49}" type="datetimeFigureOut">
               <a:rPr lang="zh-CN" altLang="en-US" smtClean="0"/>
-              <a:t>2019/7/24</a:t>
+              <a:t>2019/7/25</a:t>
             </a:fld>
             <a:endParaRPr lang="zh-CN" altLang="en-US"/>
           </a:p>
@@ -1418,7 +1418,7 @@
           <a:p>
             <a:fld id="{11D82F5B-1BA6-42B6-A84E-5D5255035F49}" type="datetimeFigureOut">
               <a:rPr lang="zh-CN" altLang="en-US" smtClean="0"/>
-              <a:t>2019/7/24</a:t>
+              <a:t>2019/7/25</a:t>
             </a:fld>
             <a:endParaRPr lang="zh-CN" altLang="en-US"/>
           </a:p>
@@ -1830,7 +1830,7 @@
           <a:p>
             <a:fld id="{11D82F5B-1BA6-42B6-A84E-5D5255035F49}" type="datetimeFigureOut">
               <a:rPr lang="zh-CN" altLang="en-US" smtClean="0"/>
-              <a:t>2019/7/24</a:t>
+              <a:t>2019/7/25</a:t>
             </a:fld>
             <a:endParaRPr lang="zh-CN" altLang="en-US"/>
           </a:p>
@@ -1971,7 +1971,7 @@
           <a:p>
             <a:fld id="{11D82F5B-1BA6-42B6-A84E-5D5255035F49}" type="datetimeFigureOut">
               <a:rPr lang="zh-CN" altLang="en-US" smtClean="0"/>
-              <a:t>2019/7/24</a:t>
+              <a:t>2019/7/25</a:t>
             </a:fld>
             <a:endParaRPr lang="zh-CN" altLang="en-US"/>
           </a:p>
@@ -2084,7 +2084,7 @@
           <a:p>
             <a:fld id="{11D82F5B-1BA6-42B6-A84E-5D5255035F49}" type="datetimeFigureOut">
               <a:rPr lang="zh-CN" altLang="en-US" smtClean="0"/>
-              <a:t>2019/7/24</a:t>
+              <a:t>2019/7/25</a:t>
             </a:fld>
             <a:endParaRPr lang="zh-CN" altLang="en-US"/>
           </a:p>
@@ -2395,7 +2395,7 @@
           <a:p>
             <a:fld id="{11D82F5B-1BA6-42B6-A84E-5D5255035F49}" type="datetimeFigureOut">
               <a:rPr lang="zh-CN" altLang="en-US" smtClean="0"/>
-              <a:t>2019/7/24</a:t>
+              <a:t>2019/7/25</a:t>
             </a:fld>
             <a:endParaRPr lang="zh-CN" altLang="en-US"/>
           </a:p>
@@ -2683,7 +2683,7 @@
           <a:p>
             <a:fld id="{11D82F5B-1BA6-42B6-A84E-5D5255035F49}" type="datetimeFigureOut">
               <a:rPr lang="zh-CN" altLang="en-US" smtClean="0"/>
-              <a:t>2019/7/24</a:t>
+              <a:t>2019/7/25</a:t>
             </a:fld>
             <a:endParaRPr lang="zh-CN" altLang="en-US"/>
           </a:p>
@@ -2930,7 +2930,7 @@
           <a:p>
             <a:fld id="{11D82F5B-1BA6-42B6-A84E-5D5255035F49}" type="datetimeFigureOut">
               <a:rPr lang="zh-CN" altLang="en-US" smtClean="0"/>
-              <a:t>2019/7/24</a:t>
+              <a:t>2019/7/25</a:t>
             </a:fld>
             <a:endParaRPr lang="zh-CN" altLang="en-US"/>
           </a:p>
@@ -5249,6 +5249,118 @@
           <a:p>
             <a:pPr algn="ctr"/>
             <a:endParaRPr lang="zh-CN" altLang="en-US"/>
+          </a:p>
+        </p:txBody>
+      </p:sp>
+      <p:sp>
+        <p:nvSpPr>
+          <p:cNvPr id="2" name="文本框 1">
+            <a:extLst>
+              <a:ext uri="{FF2B5EF4-FFF2-40B4-BE49-F238E27FC236}">
+                <a16:creationId xmlns:a16="http://schemas.microsoft.com/office/drawing/2014/main" id="{696057AB-1F4F-4008-885D-EBFC3BA742E7}"/>
+              </a:ext>
+            </a:extLst>
+          </p:cNvPr>
+          <p:cNvSpPr txBox="1"/>
+          <p:nvPr/>
+        </p:nvSpPr>
+        <p:spPr>
+          <a:xfrm>
+            <a:off x="3895112" y="2360032"/>
+            <a:ext cx="3782786" cy="3477875"/>
+          </a:xfrm>
+          <a:prstGeom prst="rect">
+            <a:avLst/>
+          </a:prstGeom>
+          <a:noFill/>
+        </p:spPr>
+        <p:txBody>
+          <a:bodyPr wrap="square" rtlCol="0">
+            <a:spAutoFit/>
+          </a:bodyPr>
+          <a:lstStyle/>
+          <a:p>
+            <a:r>
+              <a:rPr lang="zh-CN" altLang="en-US" sz="4400">
+                <a:solidFill>
+                  <a:srgbClr val="FACA2E"/>
+                </a:solidFill>
+                <a:latin typeface="方正有猫在简体" panose="02000000000000000000" pitchFamily="2" charset="-122"/>
+                <a:ea typeface="方正有猫在简体" panose="02000000000000000000" pitchFamily="2" charset="-122"/>
+              </a:rPr>
+              <a:t>彩</a:t>
+            </a:r>
+            <a:r>
+              <a:rPr lang="zh-CN" altLang="en-US" sz="4400">
+                <a:solidFill>
+                  <a:srgbClr val="FF2C0E"/>
+                </a:solidFill>
+                <a:latin typeface="方正有猫在简体" panose="02000000000000000000" pitchFamily="2" charset="-122"/>
+                <a:ea typeface="方正有猫在简体" panose="02000000000000000000" pitchFamily="2" charset="-122"/>
+              </a:rPr>
+              <a:t>球</a:t>
+            </a:r>
+            <a:r>
+              <a:rPr lang="zh-CN" altLang="en-US" sz="4400">
+                <a:solidFill>
+                  <a:srgbClr val="7BB137"/>
+                </a:solidFill>
+                <a:latin typeface="方正有猫在简体" panose="02000000000000000000" pitchFamily="2" charset="-122"/>
+                <a:ea typeface="方正有猫在简体" panose="02000000000000000000" pitchFamily="2" charset="-122"/>
+              </a:rPr>
+              <a:t>大</a:t>
+            </a:r>
+            <a:r>
+              <a:rPr lang="zh-CN" altLang="en-US" sz="4400">
+                <a:solidFill>
+                  <a:srgbClr val="75CFDB"/>
+                </a:solidFill>
+                <a:latin typeface="方正有猫在简体" panose="02000000000000000000" pitchFamily="2" charset="-122"/>
+                <a:ea typeface="方正有猫在简体" panose="02000000000000000000" pitchFamily="2" charset="-122"/>
+              </a:rPr>
+              <a:t>战 </a:t>
+            </a:r>
+            <a:r>
+              <a:rPr lang="en-US" altLang="zh-CN" sz="4400">
+                <a:solidFill>
+                  <a:srgbClr val="75CFDB"/>
+                </a:solidFill>
+                <a:latin typeface="方正有猫在简体" panose="02000000000000000000" pitchFamily="2" charset="-122"/>
+                <a:ea typeface="方正有猫在简体" panose="02000000000000000000" pitchFamily="2" charset="-122"/>
+              </a:rPr>
+              <a:t>SCORE0123456789</a:t>
+            </a:r>
+          </a:p>
+          <a:p>
+            <a:r>
+              <a:rPr lang="zh-CN" altLang="en-US" sz="4400">
+                <a:solidFill>
+                  <a:srgbClr val="75CFDB"/>
+                </a:solidFill>
+                <a:latin typeface="方正有猫在简体" panose="02000000000000000000" pitchFamily="2" charset="-122"/>
+                <a:ea typeface="方正有猫在简体" panose="02000000000000000000" pitchFamily="2" charset="-122"/>
+              </a:rPr>
+              <a:t>游戏结束！</a:t>
+            </a:r>
+            <a:endParaRPr lang="en-US" altLang="zh-CN" sz="4400">
+              <a:solidFill>
+                <a:srgbClr val="75CFDB"/>
+              </a:solidFill>
+              <a:latin typeface="方正有猫在简体" panose="02000000000000000000" pitchFamily="2" charset="-122"/>
+              <a:ea typeface="方正有猫在简体" panose="02000000000000000000" pitchFamily="2" charset="-122"/>
+            </a:endParaRPr>
+          </a:p>
+          <a:p>
+            <a:r>
+              <a:rPr lang="zh-CN" altLang="en-US" sz="4400">
+                <a:solidFill>
+                  <a:srgbClr val="75CFDB"/>
+                </a:solidFill>
+                <a:latin typeface="方正有猫在简体" panose="02000000000000000000" pitchFamily="2" charset="-122"/>
+                <a:ea typeface="方正有猫在简体" panose="02000000000000000000" pitchFamily="2" charset="-122"/>
+              </a:rPr>
+              <a:t>最终得分：</a:t>
+            </a:r>
           </a:p>
         </p:txBody>
       </p:sp>
